--- a/Calendario/Presentaciones/1_IntroduccionAlgoritmosProgramas.pptx
+++ b/Calendario/Presentaciones/1_IntroduccionAlgoritmosProgramas.pptx
@@ -5,28 +5,27 @@
     <p:sldMasterId id="2147483648" r:id="rId1"/>
   </p:sldMasterIdLst>
   <p:notesMasterIdLst>
-    <p:notesMasterId r:id="rId21"/>
+    <p:notesMasterId r:id="rId20"/>
   </p:notesMasterIdLst>
   <p:sldIdLst>
     <p:sldId id="316" r:id="rId2"/>
     <p:sldId id="259" r:id="rId3"/>
     <p:sldId id="260" r:id="rId4"/>
     <p:sldId id="287" r:id="rId5"/>
-    <p:sldId id="264" r:id="rId6"/>
-    <p:sldId id="290" r:id="rId7"/>
-    <p:sldId id="291" r:id="rId8"/>
-    <p:sldId id="292" r:id="rId9"/>
-    <p:sldId id="293" r:id="rId10"/>
-    <p:sldId id="294" r:id="rId11"/>
-    <p:sldId id="288" r:id="rId12"/>
-    <p:sldId id="312" r:id="rId13"/>
-    <p:sldId id="313" r:id="rId14"/>
-    <p:sldId id="314" r:id="rId15"/>
-    <p:sldId id="273" r:id="rId16"/>
-    <p:sldId id="274" r:id="rId17"/>
-    <p:sldId id="277" r:id="rId18"/>
-    <p:sldId id="315" r:id="rId19"/>
-    <p:sldId id="282" r:id="rId20"/>
+    <p:sldId id="290" r:id="rId6"/>
+    <p:sldId id="291" r:id="rId7"/>
+    <p:sldId id="292" r:id="rId8"/>
+    <p:sldId id="293" r:id="rId9"/>
+    <p:sldId id="294" r:id="rId10"/>
+    <p:sldId id="288" r:id="rId11"/>
+    <p:sldId id="312" r:id="rId12"/>
+    <p:sldId id="313" r:id="rId13"/>
+    <p:sldId id="314" r:id="rId14"/>
+    <p:sldId id="273" r:id="rId15"/>
+    <p:sldId id="274" r:id="rId16"/>
+    <p:sldId id="277" r:id="rId17"/>
+    <p:sldId id="315" r:id="rId18"/>
+    <p:sldId id="282" r:id="rId19"/>
   </p:sldIdLst>
   <p:sldSz cx="9144000" cy="6858000" type="screen4x3"/>
   <p:notesSz cx="6858000" cy="9144000"/>
@@ -226,7 +225,7 @@
           <a:p>
             <a:fld id="{2D445F07-8756-451B-A938-0248325FC7BB}" type="datetimeFigureOut">
               <a:rPr lang="es-MX" smtClean="0"/>
-              <a:t>17/01/2022</a:t>
+              <a:t>13/02/2022</a:t>
             </a:fld>
             <a:endParaRPr lang="es-MX" dirty="0"/>
           </a:p>
@@ -597,90 +596,6 @@
       </p:grpSpPr>
       <p:sp>
         <p:nvSpPr>
-          <p:cNvPr id="2" name="1 Marcador de imagen de diapositiva"/>
-          <p:cNvSpPr>
-            <a:spLocks noGrp="1" noRot="1" noChangeAspect="1"/>
-          </p:cNvSpPr>
-          <p:nvPr>
-            <p:ph type="sldImg"/>
-          </p:nvPr>
-        </p:nvSpPr>
-        <p:spPr/>
-      </p:sp>
-      <p:sp>
-        <p:nvSpPr>
-          <p:cNvPr id="3" name="2 Marcador de notas"/>
-          <p:cNvSpPr>
-            <a:spLocks noGrp="1"/>
-          </p:cNvSpPr>
-          <p:nvPr>
-            <p:ph type="body" idx="1"/>
-          </p:nvPr>
-        </p:nvSpPr>
-        <p:spPr/>
-        <p:txBody>
-          <a:bodyPr/>
-          <a:lstStyle/>
-          <a:p>
-            <a:endParaRPr lang="es-MX" dirty="0"/>
-          </a:p>
-        </p:txBody>
-      </p:sp>
-      <p:sp>
-        <p:nvSpPr>
-          <p:cNvPr id="4" name="3 Marcador de número de diapositiva"/>
-          <p:cNvSpPr>
-            <a:spLocks noGrp="1"/>
-          </p:cNvSpPr>
-          <p:nvPr>
-            <p:ph type="sldNum" sz="quarter" idx="10"/>
-          </p:nvPr>
-        </p:nvSpPr>
-        <p:spPr/>
-        <p:txBody>
-          <a:bodyPr/>
-          <a:lstStyle/>
-          <a:p>
-            <a:fld id="{5993AEC0-242E-4FA7-9D3C-51E1036AC3CB}" type="slidenum">
-              <a:rPr lang="es-MX" smtClean="0"/>
-              <a:t>5</a:t>
-            </a:fld>
-            <a:endParaRPr lang="es-MX" dirty="0"/>
-          </a:p>
-        </p:txBody>
-      </p:sp>
-    </p:spTree>
-    <p:extLst>
-      <p:ext uri="{BB962C8B-B14F-4D97-AF65-F5344CB8AC3E}">
-        <p14:creationId xmlns:p14="http://schemas.microsoft.com/office/powerpoint/2010/main" val="3272281449"/>
-      </p:ext>
-    </p:extLst>
-  </p:cSld>
-  <p:clrMapOvr>
-    <a:masterClrMapping/>
-  </p:clrMapOvr>
-</p:notes>
-</file>
-
-<file path=ppt/notesSlides/notesSlide3.xml><?xml version="1.0" encoding="utf-8"?>
-<p:notes xmlns:a="http://schemas.openxmlformats.org/drawingml/2006/main" xmlns:r="http://schemas.openxmlformats.org/officeDocument/2006/relationships" xmlns:p="http://schemas.openxmlformats.org/presentationml/2006/main">
-  <p:cSld>
-    <p:spTree>
-      <p:nvGrpSpPr>
-        <p:cNvPr id="1" name=""/>
-        <p:cNvGrpSpPr/>
-        <p:nvPr/>
-      </p:nvGrpSpPr>
-      <p:grpSpPr>
-        <a:xfrm>
-          <a:off x="0" y="0"/>
-          <a:ext cx="0" cy="0"/>
-          <a:chOff x="0" y="0"/>
-          <a:chExt cx="0" cy="0"/>
-        </a:xfrm>
-      </p:grpSpPr>
-      <p:sp>
-        <p:nvSpPr>
           <p:cNvPr id="25602" name="Rectangle 2"/>
           <p:cNvSpPr>
             <a:spLocks noGrp="1" noRot="1" noChangeAspect="1" noChangeArrowheads="1" noTextEdit="1"/>
@@ -799,7 +714,7 @@
 </p:notes>
 </file>
 
-<file path=ppt/notesSlides/notesSlide4.xml><?xml version="1.0" encoding="utf-8"?>
+<file path=ppt/notesSlides/notesSlide3.xml><?xml version="1.0" encoding="utf-8"?>
 <p:notes xmlns:a="http://schemas.openxmlformats.org/drawingml/2006/main" xmlns:r="http://schemas.openxmlformats.org/officeDocument/2006/relationships" xmlns:p="http://schemas.openxmlformats.org/presentationml/2006/main">
   <p:cSld>
     <p:spTree>
@@ -864,7 +779,7 @@
           <a:p>
             <a:fld id="{4D347943-BED9-4F50-9608-342FFFFC6AEF}" type="slidenum">
               <a:rPr lang="es-MX" smtClean="0"/>
-              <a:t>11</a:t>
+              <a:t>10</a:t>
             </a:fld>
             <a:endParaRPr lang="es-MX"/>
           </a:p>
@@ -883,7 +798,7 @@
 </p:notes>
 </file>
 
-<file path=ppt/notesSlides/notesSlide5.xml><?xml version="1.0" encoding="utf-8"?>
+<file path=ppt/notesSlides/notesSlide4.xml><?xml version="1.0" encoding="utf-8"?>
 <p:notes xmlns:a="http://schemas.openxmlformats.org/drawingml/2006/main" xmlns:r="http://schemas.openxmlformats.org/officeDocument/2006/relationships" xmlns:p="http://schemas.openxmlformats.org/presentationml/2006/main">
   <p:cSld>
     <p:spTree>
@@ -1025,7 +940,7 @@
 </p:notes>
 </file>
 
-<file path=ppt/notesSlides/notesSlide6.xml><?xml version="1.0" encoding="utf-8"?>
+<file path=ppt/notesSlides/notesSlide5.xml><?xml version="1.0" encoding="utf-8"?>
 <p:notes xmlns:a="http://schemas.openxmlformats.org/drawingml/2006/main" xmlns:r="http://schemas.openxmlformats.org/officeDocument/2006/relationships" xmlns:p="http://schemas.openxmlformats.org/presentationml/2006/main">
   <p:cSld>
     <p:spTree>
@@ -1167,7 +1082,7 @@
 </p:notes>
 </file>
 
-<file path=ppt/notesSlides/notesSlide7.xml><?xml version="1.0" encoding="utf-8"?>
+<file path=ppt/notesSlides/notesSlide6.xml><?xml version="1.0" encoding="utf-8"?>
 <p:notes xmlns:a="http://schemas.openxmlformats.org/drawingml/2006/main" xmlns:r="http://schemas.openxmlformats.org/officeDocument/2006/relationships" xmlns:p="http://schemas.openxmlformats.org/presentationml/2006/main">
   <p:cSld>
     <p:spTree>
@@ -1309,6 +1224,90 @@
 </p:notes>
 </file>
 
+<file path=ppt/notesSlides/notesSlide7.xml><?xml version="1.0" encoding="utf-8"?>
+<p:notes xmlns:a="http://schemas.openxmlformats.org/drawingml/2006/main" xmlns:r="http://schemas.openxmlformats.org/officeDocument/2006/relationships" xmlns:p="http://schemas.openxmlformats.org/presentationml/2006/main">
+  <p:cSld>
+    <p:spTree>
+      <p:nvGrpSpPr>
+        <p:cNvPr id="1" name=""/>
+        <p:cNvGrpSpPr/>
+        <p:nvPr/>
+      </p:nvGrpSpPr>
+      <p:grpSpPr>
+        <a:xfrm>
+          <a:off x="0" y="0"/>
+          <a:ext cx="0" cy="0"/>
+          <a:chOff x="0" y="0"/>
+          <a:chExt cx="0" cy="0"/>
+        </a:xfrm>
+      </p:grpSpPr>
+      <p:sp>
+        <p:nvSpPr>
+          <p:cNvPr id="2" name="Marcador de imagen de diapositiva 1"/>
+          <p:cNvSpPr>
+            <a:spLocks noGrp="1" noRot="1" noChangeAspect="1"/>
+          </p:cNvSpPr>
+          <p:nvPr>
+            <p:ph type="sldImg"/>
+          </p:nvPr>
+        </p:nvSpPr>
+        <p:spPr/>
+      </p:sp>
+      <p:sp>
+        <p:nvSpPr>
+          <p:cNvPr id="3" name="Marcador de notas 2"/>
+          <p:cNvSpPr>
+            <a:spLocks noGrp="1"/>
+          </p:cNvSpPr>
+          <p:nvPr>
+            <p:ph type="body" idx="1"/>
+          </p:nvPr>
+        </p:nvSpPr>
+        <p:spPr/>
+        <p:txBody>
+          <a:bodyPr/>
+          <a:lstStyle/>
+          <a:p>
+            <a:endParaRPr lang="es-MX" dirty="0"/>
+          </a:p>
+        </p:txBody>
+      </p:sp>
+      <p:sp>
+        <p:nvSpPr>
+          <p:cNvPr id="4" name="Marcador de número de diapositiva 3"/>
+          <p:cNvSpPr>
+            <a:spLocks noGrp="1"/>
+          </p:cNvSpPr>
+          <p:nvPr>
+            <p:ph type="sldNum" sz="quarter" idx="5"/>
+          </p:nvPr>
+        </p:nvSpPr>
+        <p:spPr/>
+        <p:txBody>
+          <a:bodyPr/>
+          <a:lstStyle/>
+          <a:p>
+            <a:fld id="{5993AEC0-242E-4FA7-9D3C-51E1036AC3CB}" type="slidenum">
+              <a:rPr lang="es-MX" smtClean="0"/>
+              <a:t>15</a:t>
+            </a:fld>
+            <a:endParaRPr lang="es-MX" dirty="0"/>
+          </a:p>
+        </p:txBody>
+      </p:sp>
+    </p:spTree>
+    <p:extLst>
+      <p:ext uri="{BB962C8B-B14F-4D97-AF65-F5344CB8AC3E}">
+        <p14:creationId xmlns:p14="http://schemas.microsoft.com/office/powerpoint/2010/main" val="2600741813"/>
+      </p:ext>
+    </p:extLst>
+  </p:cSld>
+  <p:clrMapOvr>
+    <a:masterClrMapping/>
+  </p:clrMapOvr>
+</p:notes>
+</file>
+
 <file path=ppt/notesSlides/notesSlide8.xml><?xml version="1.0" encoding="utf-8"?>
 <p:notes xmlns:a="http://schemas.openxmlformats.org/drawingml/2006/main" xmlns:r="http://schemas.openxmlformats.org/officeDocument/2006/relationships" xmlns:p="http://schemas.openxmlformats.org/presentationml/2006/main">
   <p:cSld>
@@ -1372,93 +1371,9 @@
           <a:bodyPr/>
           <a:lstStyle/>
           <a:p>
-            <a:fld id="{5993AEC0-242E-4FA7-9D3C-51E1036AC3CB}" type="slidenum">
-              <a:rPr lang="es-MX" smtClean="0"/>
-              <a:t>16</a:t>
-            </a:fld>
-            <a:endParaRPr lang="es-MX" dirty="0"/>
-          </a:p>
-        </p:txBody>
-      </p:sp>
-    </p:spTree>
-    <p:extLst>
-      <p:ext uri="{BB962C8B-B14F-4D97-AF65-F5344CB8AC3E}">
-        <p14:creationId xmlns:p14="http://schemas.microsoft.com/office/powerpoint/2010/main" val="2600741813"/>
-      </p:ext>
-    </p:extLst>
-  </p:cSld>
-  <p:clrMapOvr>
-    <a:masterClrMapping/>
-  </p:clrMapOvr>
-</p:notes>
-</file>
-
-<file path=ppt/notesSlides/notesSlide9.xml><?xml version="1.0" encoding="utf-8"?>
-<p:notes xmlns:a="http://schemas.openxmlformats.org/drawingml/2006/main" xmlns:r="http://schemas.openxmlformats.org/officeDocument/2006/relationships" xmlns:p="http://schemas.openxmlformats.org/presentationml/2006/main">
-  <p:cSld>
-    <p:spTree>
-      <p:nvGrpSpPr>
-        <p:cNvPr id="1" name=""/>
-        <p:cNvGrpSpPr/>
-        <p:nvPr/>
-      </p:nvGrpSpPr>
-      <p:grpSpPr>
-        <a:xfrm>
-          <a:off x="0" y="0"/>
-          <a:ext cx="0" cy="0"/>
-          <a:chOff x="0" y="0"/>
-          <a:chExt cx="0" cy="0"/>
-        </a:xfrm>
-      </p:grpSpPr>
-      <p:sp>
-        <p:nvSpPr>
-          <p:cNvPr id="2" name="Marcador de imagen de diapositiva 1"/>
-          <p:cNvSpPr>
-            <a:spLocks noGrp="1" noRot="1" noChangeAspect="1"/>
-          </p:cNvSpPr>
-          <p:nvPr>
-            <p:ph type="sldImg"/>
-          </p:nvPr>
-        </p:nvSpPr>
-        <p:spPr/>
-      </p:sp>
-      <p:sp>
-        <p:nvSpPr>
-          <p:cNvPr id="3" name="Marcador de notas 2"/>
-          <p:cNvSpPr>
-            <a:spLocks noGrp="1"/>
-          </p:cNvSpPr>
-          <p:nvPr>
-            <p:ph type="body" idx="1"/>
-          </p:nvPr>
-        </p:nvSpPr>
-        <p:spPr/>
-        <p:txBody>
-          <a:bodyPr/>
-          <a:lstStyle/>
-          <a:p>
-            <a:endParaRPr lang="es-MX" dirty="0"/>
-          </a:p>
-        </p:txBody>
-      </p:sp>
-      <p:sp>
-        <p:nvSpPr>
-          <p:cNvPr id="4" name="Marcador de número de diapositiva 3"/>
-          <p:cNvSpPr>
-            <a:spLocks noGrp="1"/>
-          </p:cNvSpPr>
-          <p:nvPr>
-            <p:ph type="sldNum" sz="quarter" idx="5"/>
-          </p:nvPr>
-        </p:nvSpPr>
-        <p:spPr/>
-        <p:txBody>
-          <a:bodyPr/>
-          <a:lstStyle/>
-          <a:p>
             <a:fld id="{4D347943-BED9-4F50-9608-342FFFFC6AEF}" type="slidenum">
               <a:rPr lang="es-MX" smtClean="0"/>
-              <a:t>18</a:t>
+              <a:t>17</a:t>
             </a:fld>
             <a:endParaRPr lang="es-MX"/>
           </a:p>
@@ -1658,7 +1573,7 @@
           <a:p>
             <a:fld id="{5E75A0DC-66C6-4CEC-A5EB-F8C97CEC3796}" type="datetimeFigureOut">
               <a:rPr lang="es-MX" smtClean="0"/>
-              <a:t>17/01/2022</a:t>
+              <a:t>13/02/2022</a:t>
             </a:fld>
             <a:endParaRPr lang="es-MX" dirty="0"/>
           </a:p>
@@ -1828,7 +1743,7 @@
           <a:p>
             <a:fld id="{5E75A0DC-66C6-4CEC-A5EB-F8C97CEC3796}" type="datetimeFigureOut">
               <a:rPr lang="es-MX" smtClean="0"/>
-              <a:t>17/01/2022</a:t>
+              <a:t>13/02/2022</a:t>
             </a:fld>
             <a:endParaRPr lang="es-MX" dirty="0"/>
           </a:p>
@@ -2008,7 +1923,7 @@
           <a:p>
             <a:fld id="{5E75A0DC-66C6-4CEC-A5EB-F8C97CEC3796}" type="datetimeFigureOut">
               <a:rPr lang="es-MX" smtClean="0"/>
-              <a:t>17/01/2022</a:t>
+              <a:t>13/02/2022</a:t>
             </a:fld>
             <a:endParaRPr lang="es-MX" dirty="0"/>
           </a:p>
@@ -2161,7 +2076,7 @@
           <a:p>
             <a:fld id="{1D8BD707-D9CF-40AE-B4C6-C98DA3205C09}" type="datetimeFigureOut">
               <a:rPr lang="en-US" smtClean="0"/>
-              <a:t>1/17/2022</a:t>
+              <a:t>2/13/2022</a:t>
             </a:fld>
             <a:endParaRPr lang="en-US"/>
           </a:p>
@@ -3041,7 +2956,7 @@
           <a:p>
             <a:fld id="{5E75A0DC-66C6-4CEC-A5EB-F8C97CEC3796}" type="datetimeFigureOut">
               <a:rPr lang="es-MX" smtClean="0"/>
-              <a:t>17/01/2022</a:t>
+              <a:t>13/02/2022</a:t>
             </a:fld>
             <a:endParaRPr lang="es-MX" dirty="0"/>
           </a:p>
@@ -3287,7 +3202,7 @@
           <a:p>
             <a:fld id="{5E75A0DC-66C6-4CEC-A5EB-F8C97CEC3796}" type="datetimeFigureOut">
               <a:rPr lang="es-MX" smtClean="0"/>
-              <a:t>17/01/2022</a:t>
+              <a:t>13/02/2022</a:t>
             </a:fld>
             <a:endParaRPr lang="es-MX" dirty="0"/>
           </a:p>
@@ -3575,7 +3490,7 @@
           <a:p>
             <a:fld id="{5E75A0DC-66C6-4CEC-A5EB-F8C97CEC3796}" type="datetimeFigureOut">
               <a:rPr lang="es-MX" smtClean="0"/>
-              <a:t>17/01/2022</a:t>
+              <a:t>13/02/2022</a:t>
             </a:fld>
             <a:endParaRPr lang="es-MX" dirty="0"/>
           </a:p>
@@ -3997,7 +3912,7 @@
           <a:p>
             <a:fld id="{5E75A0DC-66C6-4CEC-A5EB-F8C97CEC3796}" type="datetimeFigureOut">
               <a:rPr lang="es-MX" smtClean="0"/>
-              <a:t>17/01/2022</a:t>
+              <a:t>13/02/2022</a:t>
             </a:fld>
             <a:endParaRPr lang="es-MX" dirty="0"/>
           </a:p>
@@ -4115,7 +4030,7 @@
           <a:p>
             <a:fld id="{5E75A0DC-66C6-4CEC-A5EB-F8C97CEC3796}" type="datetimeFigureOut">
               <a:rPr lang="es-MX" smtClean="0"/>
-              <a:t>17/01/2022</a:t>
+              <a:t>13/02/2022</a:t>
             </a:fld>
             <a:endParaRPr lang="es-MX" dirty="0"/>
           </a:p>
@@ -4210,7 +4125,7 @@
           <a:p>
             <a:fld id="{5E75A0DC-66C6-4CEC-A5EB-F8C97CEC3796}" type="datetimeFigureOut">
               <a:rPr lang="es-MX" smtClean="0"/>
-              <a:t>17/01/2022</a:t>
+              <a:t>13/02/2022</a:t>
             </a:fld>
             <a:endParaRPr lang="es-MX" dirty="0"/>
           </a:p>
@@ -4487,7 +4402,7 @@
           <a:p>
             <a:fld id="{5E75A0DC-66C6-4CEC-A5EB-F8C97CEC3796}" type="datetimeFigureOut">
               <a:rPr lang="es-MX" smtClean="0"/>
-              <a:t>17/01/2022</a:t>
+              <a:t>13/02/2022</a:t>
             </a:fld>
             <a:endParaRPr lang="es-MX" dirty="0"/>
           </a:p>
@@ -4740,7 +4655,7 @@
           <a:p>
             <a:fld id="{5E75A0DC-66C6-4CEC-A5EB-F8C97CEC3796}" type="datetimeFigureOut">
               <a:rPr lang="es-MX" smtClean="0"/>
-              <a:t>17/01/2022</a:t>
+              <a:t>13/02/2022</a:t>
             </a:fld>
             <a:endParaRPr lang="es-MX" dirty="0"/>
           </a:p>
@@ -4953,7 +4868,7 @@
           <a:p>
             <a:fld id="{5E75A0DC-66C6-4CEC-A5EB-F8C97CEC3796}" type="datetimeFigureOut">
               <a:rPr lang="es-MX" smtClean="0"/>
-              <a:t>17/01/2022</a:t>
+              <a:t>13/02/2022</a:t>
             </a:fld>
             <a:endParaRPr lang="es-MX" dirty="0"/>
           </a:p>
@@ -5518,708 +5433,6 @@
 </file>
 
 <file path=ppt/slides/slide10.xml><?xml version="1.0" encoding="utf-8"?>
-<p:sld xmlns:a="http://schemas.openxmlformats.org/drawingml/2006/main" xmlns:r="http://schemas.openxmlformats.org/officeDocument/2006/relationships" xmlns:p="http://schemas.openxmlformats.org/presentationml/2006/main" showMasterPhAnim="0">
-  <p:cSld>
-    <p:spTree>
-      <p:nvGrpSpPr>
-        <p:cNvPr id="1" name=""/>
-        <p:cNvGrpSpPr/>
-        <p:nvPr/>
-      </p:nvGrpSpPr>
-      <p:grpSpPr>
-        <a:xfrm>
-          <a:off x="0" y="0"/>
-          <a:ext cx="0" cy="0"/>
-          <a:chOff x="0" y="0"/>
-          <a:chExt cx="0" cy="0"/>
-        </a:xfrm>
-      </p:grpSpPr>
-      <p:sp>
-        <p:nvSpPr>
-          <p:cNvPr id="89090" name="Rectangle 2"/>
-          <p:cNvSpPr>
-            <a:spLocks noGrp="1" noChangeArrowheads="1"/>
-          </p:cNvSpPr>
-          <p:nvPr>
-            <p:ph type="title"/>
-          </p:nvPr>
-        </p:nvSpPr>
-        <p:spPr>
-          <a:xfrm>
-            <a:off x="395288" y="413792"/>
-            <a:ext cx="8281168" cy="1143000"/>
-          </a:xfrm>
-        </p:spPr>
-        <p:txBody>
-          <a:bodyPr lIns="92075" tIns="46038" rIns="92075" bIns="46038">
-            <a:normAutofit fontScale="90000"/>
-          </a:bodyPr>
-          <a:lstStyle/>
-          <a:p>
-            <a:pPr eaLnBrk="1" hangingPunct="1">
-              <a:defRPr/>
-            </a:pPr>
-            <a:r>
-              <a:rPr lang="es-ES_tradnl" dirty="0">
-                <a:effectLst>
-                  <a:outerShdw blurRad="38100" dist="38100" dir="2700000" algn="tl">
-                    <a:srgbClr val="C0C0C0"/>
-                  </a:outerShdw>
-                </a:effectLst>
-              </a:rPr>
-              <a:t> </a:t>
-            </a:r>
-            <a:r>
-              <a:rPr lang="es-ES_tradnl" b="1" dirty="0">
-                <a:solidFill>
-                  <a:schemeClr val="accent4">
-                    <a:lumMod val="50000"/>
-                  </a:schemeClr>
-                </a:solidFill>
-                <a:effectLst>
-                  <a:outerShdw blurRad="38100" dist="38100" dir="2700000" algn="tl">
-                    <a:srgbClr val="C0C0C0"/>
-                  </a:outerShdw>
-                </a:effectLst>
-              </a:rPr>
-              <a:t>¿Qué se requiere para escribir un programa?</a:t>
-            </a:r>
-          </a:p>
-        </p:txBody>
-      </p:sp>
-      <p:sp>
-        <p:nvSpPr>
-          <p:cNvPr id="89091" name="Rectangle 3"/>
-          <p:cNvSpPr>
-            <a:spLocks noGrp="1" noChangeArrowheads="1"/>
-          </p:cNvSpPr>
-          <p:nvPr>
-            <p:ph type="body" idx="1"/>
-          </p:nvPr>
-        </p:nvSpPr>
-        <p:spPr>
-          <a:xfrm>
-            <a:off x="611560" y="1958341"/>
-            <a:ext cx="8064896" cy="1245507"/>
-          </a:xfrm>
-        </p:spPr>
-        <p:txBody>
-          <a:bodyPr lIns="92075" tIns="46038" rIns="92075" bIns="46038">
-            <a:normAutofit/>
-          </a:bodyPr>
-          <a:lstStyle/>
-          <a:p>
-            <a:pPr algn="just" eaLnBrk="1" hangingPunct="1">
-              <a:lnSpc>
-                <a:spcPct val="105000"/>
-              </a:lnSpc>
-              <a:spcAft>
-                <a:spcPts val="600"/>
-              </a:spcAft>
-              <a:defRPr/>
-            </a:pPr>
-            <a:r>
-              <a:rPr lang="es-ES_tradnl" sz="2400" b="1" dirty="0">
-                <a:solidFill>
-                  <a:schemeClr val="accent6">
-                    <a:lumMod val="75000"/>
-                  </a:schemeClr>
-                </a:solidFill>
-              </a:rPr>
-              <a:t>Un </a:t>
-            </a:r>
-            <a:r>
-              <a:rPr lang="es-ES_tradnl" sz="2400" b="1" dirty="0">
-                <a:solidFill>
-                  <a:schemeClr val="accent6">
-                    <a:lumMod val="75000"/>
-                  </a:schemeClr>
-                </a:solidFill>
-                <a:effectLst>
-                  <a:outerShdw blurRad="38100" dist="38100" dir="2700000" algn="tl">
-                    <a:srgbClr val="C0C0C0"/>
-                  </a:outerShdw>
-                </a:effectLst>
-              </a:rPr>
-              <a:t>editor</a:t>
-            </a:r>
-            <a:r>
-              <a:rPr lang="es-ES_tradnl" sz="2400" b="1" dirty="0">
-                <a:solidFill>
-                  <a:schemeClr val="accent6">
-                    <a:lumMod val="75000"/>
-                  </a:schemeClr>
-                </a:solidFill>
-              </a:rPr>
-              <a:t>: </a:t>
-            </a:r>
-            <a:r>
-              <a:rPr lang="es-ES_tradnl" sz="2400" dirty="0">
-                <a:solidFill>
-                  <a:schemeClr val="bg2">
-                    <a:lumMod val="25000"/>
-                  </a:schemeClr>
-                </a:solidFill>
-              </a:rPr>
-              <a:t>Es una herramienta de software que facilita la escritura de programas. Es un software parecido a un “procesador de palabras”.</a:t>
-            </a:r>
-          </a:p>
-        </p:txBody>
-      </p:sp>
-      <p:pic>
-        <p:nvPicPr>
-          <p:cNvPr id="7" name="Imagen 6">
-            <a:extLst>
-              <a:ext uri="{FF2B5EF4-FFF2-40B4-BE49-F238E27FC236}">
-                <a16:creationId xmlns:a16="http://schemas.microsoft.com/office/drawing/2014/main" id="{16A335E9-B863-40F4-966B-DE5597E95E6B}"/>
-              </a:ext>
-            </a:extLst>
-          </p:cNvPr>
-          <p:cNvPicPr>
-            <a:picLocks noChangeAspect="1"/>
-          </p:cNvPicPr>
-          <p:nvPr/>
-        </p:nvPicPr>
-        <p:blipFill>
-          <a:blip r:embed="rId3"/>
-          <a:stretch>
-            <a:fillRect/>
-          </a:stretch>
-        </p:blipFill>
-        <p:spPr>
-          <a:xfrm>
-            <a:off x="2248160" y="4842284"/>
-            <a:ext cx="4791695" cy="1575048"/>
-          </a:xfrm>
-          <a:prstGeom prst="rect">
-            <a:avLst/>
-          </a:prstGeom>
-        </p:spPr>
-      </p:pic>
-      <p:sp>
-        <p:nvSpPr>
-          <p:cNvPr id="5" name="Rectangle 3">
-            <a:extLst>
-              <a:ext uri="{FF2B5EF4-FFF2-40B4-BE49-F238E27FC236}">
-                <a16:creationId xmlns:a16="http://schemas.microsoft.com/office/drawing/2014/main" id="{9C446808-D349-41FC-B996-C47845BFFC5D}"/>
-              </a:ext>
-            </a:extLst>
-          </p:cNvPr>
-          <p:cNvSpPr txBox="1">
-            <a:spLocks noChangeArrowheads="1"/>
-          </p:cNvSpPr>
-          <p:nvPr/>
-        </p:nvSpPr>
-        <p:spPr>
-          <a:xfrm>
-            <a:off x="611560" y="3320988"/>
-            <a:ext cx="8064896" cy="1404156"/>
-          </a:xfrm>
-          <a:prstGeom prst="rect">
-            <a:avLst/>
-          </a:prstGeom>
-        </p:spPr>
-        <p:txBody>
-          <a:bodyPr vert="horz" lIns="92075" tIns="46038" rIns="92075" bIns="46038" rtlCol="0">
-            <a:normAutofit/>
-          </a:bodyPr>
-          <a:lstStyle>
-            <a:lvl1pPr marL="342900" indent="-342900" algn="l" defTabSz="914400" rtl="0" eaLnBrk="1" latinLnBrk="0" hangingPunct="1">
-              <a:spcBef>
-                <a:spcPct val="20000"/>
-              </a:spcBef>
-              <a:buFont typeface="Arial" pitchFamily="34" charset="0"/>
-              <a:buChar char="•"/>
-              <a:defRPr sz="3200" kern="1200">
-                <a:solidFill>
-                  <a:schemeClr val="tx1"/>
-                </a:solidFill>
-                <a:latin typeface="+mn-lt"/>
-                <a:ea typeface="+mn-ea"/>
-                <a:cs typeface="+mn-cs"/>
-              </a:defRPr>
-            </a:lvl1pPr>
-            <a:lvl2pPr marL="742950" indent="-285750" algn="l" defTabSz="914400" rtl="0" eaLnBrk="1" latinLnBrk="0" hangingPunct="1">
-              <a:spcBef>
-                <a:spcPct val="20000"/>
-              </a:spcBef>
-              <a:buFont typeface="Arial" pitchFamily="34" charset="0"/>
-              <a:buChar char="–"/>
-              <a:defRPr sz="2800" kern="1200">
-                <a:solidFill>
-                  <a:schemeClr val="tx1"/>
-                </a:solidFill>
-                <a:latin typeface="+mn-lt"/>
-                <a:ea typeface="+mn-ea"/>
-                <a:cs typeface="+mn-cs"/>
-              </a:defRPr>
-            </a:lvl2pPr>
-            <a:lvl3pPr marL="1143000" indent="-228600" algn="l" defTabSz="914400" rtl="0" eaLnBrk="1" latinLnBrk="0" hangingPunct="1">
-              <a:spcBef>
-                <a:spcPct val="20000"/>
-              </a:spcBef>
-              <a:buFont typeface="Arial" pitchFamily="34" charset="0"/>
-              <a:buChar char="•"/>
-              <a:defRPr sz="2400" kern="1200">
-                <a:solidFill>
-                  <a:schemeClr val="tx1"/>
-                </a:solidFill>
-                <a:latin typeface="+mn-lt"/>
-                <a:ea typeface="+mn-ea"/>
-                <a:cs typeface="+mn-cs"/>
-              </a:defRPr>
-            </a:lvl3pPr>
-            <a:lvl4pPr marL="1600200" indent="-228600" algn="l" defTabSz="914400" rtl="0" eaLnBrk="1" latinLnBrk="0" hangingPunct="1">
-              <a:spcBef>
-                <a:spcPct val="20000"/>
-              </a:spcBef>
-              <a:buFont typeface="Arial" pitchFamily="34" charset="0"/>
-              <a:buChar char="–"/>
-              <a:defRPr sz="2000" kern="1200">
-                <a:solidFill>
-                  <a:schemeClr val="tx1"/>
-                </a:solidFill>
-                <a:latin typeface="+mn-lt"/>
-                <a:ea typeface="+mn-ea"/>
-                <a:cs typeface="+mn-cs"/>
-              </a:defRPr>
-            </a:lvl4pPr>
-            <a:lvl5pPr marL="2057400" indent="-228600" algn="l" defTabSz="914400" rtl="0" eaLnBrk="1" latinLnBrk="0" hangingPunct="1">
-              <a:spcBef>
-                <a:spcPct val="20000"/>
-              </a:spcBef>
-              <a:buFont typeface="Arial" pitchFamily="34" charset="0"/>
-              <a:buChar char="»"/>
-              <a:defRPr sz="2000" kern="1200">
-                <a:solidFill>
-                  <a:schemeClr val="tx1"/>
-                </a:solidFill>
-                <a:latin typeface="+mn-lt"/>
-                <a:ea typeface="+mn-ea"/>
-                <a:cs typeface="+mn-cs"/>
-              </a:defRPr>
-            </a:lvl5pPr>
-            <a:lvl6pPr marL="2514600" indent="-228600" algn="l" defTabSz="914400" rtl="0" eaLnBrk="1" latinLnBrk="0" hangingPunct="1">
-              <a:spcBef>
-                <a:spcPct val="20000"/>
-              </a:spcBef>
-              <a:buFont typeface="Arial" pitchFamily="34" charset="0"/>
-              <a:buChar char="•"/>
-              <a:defRPr sz="2000" kern="1200">
-                <a:solidFill>
-                  <a:schemeClr val="tx1"/>
-                </a:solidFill>
-                <a:latin typeface="+mn-lt"/>
-                <a:ea typeface="+mn-ea"/>
-                <a:cs typeface="+mn-cs"/>
-              </a:defRPr>
-            </a:lvl6pPr>
-            <a:lvl7pPr marL="2971800" indent="-228600" algn="l" defTabSz="914400" rtl="0" eaLnBrk="1" latinLnBrk="0" hangingPunct="1">
-              <a:spcBef>
-                <a:spcPct val="20000"/>
-              </a:spcBef>
-              <a:buFont typeface="Arial" pitchFamily="34" charset="0"/>
-              <a:buChar char="•"/>
-              <a:defRPr sz="2000" kern="1200">
-                <a:solidFill>
-                  <a:schemeClr val="tx1"/>
-                </a:solidFill>
-                <a:latin typeface="+mn-lt"/>
-                <a:ea typeface="+mn-ea"/>
-                <a:cs typeface="+mn-cs"/>
-              </a:defRPr>
-            </a:lvl7pPr>
-            <a:lvl8pPr marL="3429000" indent="-228600" algn="l" defTabSz="914400" rtl="0" eaLnBrk="1" latinLnBrk="0" hangingPunct="1">
-              <a:spcBef>
-                <a:spcPct val="20000"/>
-              </a:spcBef>
-              <a:buFont typeface="Arial" pitchFamily="34" charset="0"/>
-              <a:buChar char="•"/>
-              <a:defRPr sz="2000" kern="1200">
-                <a:solidFill>
-                  <a:schemeClr val="tx1"/>
-                </a:solidFill>
-                <a:latin typeface="+mn-lt"/>
-                <a:ea typeface="+mn-ea"/>
-                <a:cs typeface="+mn-cs"/>
-              </a:defRPr>
-            </a:lvl8pPr>
-            <a:lvl9pPr marL="3886200" indent="-228600" algn="l" defTabSz="914400" rtl="0" eaLnBrk="1" latinLnBrk="0" hangingPunct="1">
-              <a:spcBef>
-                <a:spcPct val="20000"/>
-              </a:spcBef>
-              <a:buFont typeface="Arial" pitchFamily="34" charset="0"/>
-              <a:buChar char="•"/>
-              <a:defRPr sz="2000" kern="1200">
-                <a:solidFill>
-                  <a:schemeClr val="tx1"/>
-                </a:solidFill>
-                <a:latin typeface="+mn-lt"/>
-                <a:ea typeface="+mn-ea"/>
-                <a:cs typeface="+mn-cs"/>
-              </a:defRPr>
-            </a:lvl9pPr>
-          </a:lstStyle>
-          <a:p>
-            <a:pPr algn="just">
-              <a:lnSpc>
-                <a:spcPct val="105000"/>
-              </a:lnSpc>
-              <a:spcAft>
-                <a:spcPts val="600"/>
-              </a:spcAft>
-              <a:defRPr/>
-            </a:pPr>
-            <a:r>
-              <a:rPr lang="es-ES_tradnl" sz="2400" b="1" dirty="0">
-                <a:solidFill>
-                  <a:schemeClr val="accent6">
-                    <a:lumMod val="75000"/>
-                  </a:schemeClr>
-                </a:solidFill>
-              </a:rPr>
-              <a:t>Un </a:t>
-            </a:r>
-            <a:r>
-              <a:rPr lang="es-ES_tradnl" sz="2400" b="1" dirty="0">
-                <a:solidFill>
-                  <a:schemeClr val="accent6">
-                    <a:lumMod val="75000"/>
-                  </a:schemeClr>
-                </a:solidFill>
-                <a:effectLst>
-                  <a:outerShdw blurRad="38100" dist="38100" dir="2700000" algn="tl">
-                    <a:srgbClr val="C0C0C0"/>
-                  </a:outerShdw>
-                </a:effectLst>
-              </a:rPr>
-              <a:t>compilador:</a:t>
-            </a:r>
-            <a:r>
-              <a:rPr lang="es-ES_tradnl" sz="2400" b="1" dirty="0">
-                <a:solidFill>
-                  <a:schemeClr val="accent6">
-                    <a:lumMod val="75000"/>
-                  </a:schemeClr>
-                </a:solidFill>
-              </a:rPr>
-              <a:t> </a:t>
-            </a:r>
-            <a:r>
-              <a:rPr lang="es-ES_tradnl" sz="2400" dirty="0">
-                <a:solidFill>
-                  <a:schemeClr val="bg2">
-                    <a:lumMod val="25000"/>
-                  </a:schemeClr>
-                </a:solidFill>
-              </a:rPr>
-              <a:t>Es una herramienta que traduce un programa escrito en un lenguaje de programación (código fuente) al lenguaje máquina.</a:t>
-            </a:r>
-          </a:p>
-        </p:txBody>
-      </p:sp>
-    </p:spTree>
-    <p:extLst>
-      <p:ext uri="{BB962C8B-B14F-4D97-AF65-F5344CB8AC3E}">
-        <p14:creationId xmlns:p14="http://schemas.microsoft.com/office/powerpoint/2010/main" val="1199498173"/>
-      </p:ext>
-    </p:extLst>
-  </p:cSld>
-  <p:clrMapOvr>
-    <a:masterClrMapping/>
-  </p:clrMapOvr>
-  <p:transition>
-    <p:cover dir="ru"/>
-  </p:transition>
-  <p:timing>
-    <p:tnLst>
-      <p:par>
-        <p:cTn id="1" dur="indefinite" restart="never" nodeType="tmRoot">
-          <p:childTnLst>
-            <p:seq concurrent="1" nextAc="seek">
-              <p:cTn id="2" dur="indefinite" nodeType="mainSeq">
-                <p:childTnLst>
-                  <p:par>
-                    <p:cTn id="3" fill="hold" nodeType="clickPar">
-                      <p:stCondLst>
-                        <p:cond delay="indefinite"/>
-                      </p:stCondLst>
-                      <p:childTnLst>
-                        <p:par>
-                          <p:cTn id="4" fill="hold" nodeType="withGroup">
-                            <p:stCondLst>
-                              <p:cond delay="0"/>
-                            </p:stCondLst>
-                            <p:childTnLst>
-                              <p:par>
-                                <p:cTn id="5" presetID="2" presetClass="entr" presetSubtype="2" fill="hold" grpId="0" nodeType="clickEffect">
-                                  <p:stCondLst>
-                                    <p:cond delay="0"/>
-                                  </p:stCondLst>
-                                  <p:childTnLst>
-                                    <p:set>
-                                      <p:cBhvr>
-                                        <p:cTn id="6" dur="1" fill="hold">
-                                          <p:stCondLst>
-                                            <p:cond delay="0"/>
-                                          </p:stCondLst>
-                                        </p:cTn>
-                                        <p:tgtEl>
-                                          <p:spTgt spid="89091">
-                                            <p:txEl>
-                                              <p:pRg st="0" end="0"/>
-                                            </p:txEl>
-                                          </p:spTgt>
-                                        </p:tgtEl>
-                                        <p:attrNameLst>
-                                          <p:attrName>style.visibility</p:attrName>
-                                        </p:attrNameLst>
-                                      </p:cBhvr>
-                                      <p:to>
-                                        <p:strVal val="visible"/>
-                                      </p:to>
-                                    </p:set>
-                                    <p:anim calcmode="lin" valueType="num">
-                                      <p:cBhvr additive="base">
-                                        <p:cTn id="7" dur="500" fill="hold"/>
-                                        <p:tgtEl>
-                                          <p:spTgt spid="89091">
-                                            <p:txEl>
-                                              <p:pRg st="0" end="0"/>
-                                            </p:txEl>
-                                          </p:spTgt>
-                                        </p:tgtEl>
-                                        <p:attrNameLst>
-                                          <p:attrName>ppt_x</p:attrName>
-                                        </p:attrNameLst>
-                                      </p:cBhvr>
-                                      <p:tavLst>
-                                        <p:tav tm="0">
-                                          <p:val>
-                                            <p:strVal val="1+#ppt_w/2"/>
-                                          </p:val>
-                                        </p:tav>
-                                        <p:tav tm="100000">
-                                          <p:val>
-                                            <p:strVal val="#ppt_x"/>
-                                          </p:val>
-                                        </p:tav>
-                                      </p:tavLst>
-                                    </p:anim>
-                                    <p:anim calcmode="lin" valueType="num">
-                                      <p:cBhvr additive="base">
-                                        <p:cTn id="8" dur="500" fill="hold"/>
-                                        <p:tgtEl>
-                                          <p:spTgt spid="89091">
-                                            <p:txEl>
-                                              <p:pRg st="0" end="0"/>
-                                            </p:txEl>
-                                          </p:spTgt>
-                                        </p:tgtEl>
-                                        <p:attrNameLst>
-                                          <p:attrName>ppt_y</p:attrName>
-                                        </p:attrNameLst>
-                                      </p:cBhvr>
-                                      <p:tavLst>
-                                        <p:tav tm="0">
-                                          <p:val>
-                                            <p:strVal val="#ppt_y"/>
-                                          </p:val>
-                                        </p:tav>
-                                        <p:tav tm="100000">
-                                          <p:val>
-                                            <p:strVal val="#ppt_y"/>
-                                          </p:val>
-                                        </p:tav>
-                                      </p:tavLst>
-                                    </p:anim>
-                                  </p:childTnLst>
-                                </p:cTn>
-                              </p:par>
-                            </p:childTnLst>
-                          </p:cTn>
-                        </p:par>
-                      </p:childTnLst>
-                    </p:cTn>
-                  </p:par>
-                  <p:par>
-                    <p:cTn id="9" fill="hold">
-                      <p:stCondLst>
-                        <p:cond delay="indefinite"/>
-                      </p:stCondLst>
-                      <p:childTnLst>
-                        <p:par>
-                          <p:cTn id="10" fill="hold">
-                            <p:stCondLst>
-                              <p:cond delay="0"/>
-                            </p:stCondLst>
-                            <p:childTnLst>
-                              <p:par>
-                                <p:cTn id="11" presetID="2" presetClass="entr" presetSubtype="2" fill="hold" grpId="0" nodeType="clickEffect">
-                                  <p:stCondLst>
-                                    <p:cond delay="0"/>
-                                  </p:stCondLst>
-                                  <p:childTnLst>
-                                    <p:set>
-                                      <p:cBhvr>
-                                        <p:cTn id="12" dur="1" fill="hold">
-                                          <p:stCondLst>
-                                            <p:cond delay="0"/>
-                                          </p:stCondLst>
-                                        </p:cTn>
-                                        <p:tgtEl>
-                                          <p:spTgt spid="5">
-                                            <p:txEl>
-                                              <p:pRg st="0" end="0"/>
-                                            </p:txEl>
-                                          </p:spTgt>
-                                        </p:tgtEl>
-                                        <p:attrNameLst>
-                                          <p:attrName>style.visibility</p:attrName>
-                                        </p:attrNameLst>
-                                      </p:cBhvr>
-                                      <p:to>
-                                        <p:strVal val="visible"/>
-                                      </p:to>
-                                    </p:set>
-                                    <p:anim calcmode="lin" valueType="num">
-                                      <p:cBhvr additive="base">
-                                        <p:cTn id="13" dur="500" fill="hold"/>
-                                        <p:tgtEl>
-                                          <p:spTgt spid="5">
-                                            <p:txEl>
-                                              <p:pRg st="0" end="0"/>
-                                            </p:txEl>
-                                          </p:spTgt>
-                                        </p:tgtEl>
-                                        <p:attrNameLst>
-                                          <p:attrName>ppt_x</p:attrName>
-                                        </p:attrNameLst>
-                                      </p:cBhvr>
-                                      <p:tavLst>
-                                        <p:tav tm="0">
-                                          <p:val>
-                                            <p:strVal val="1+#ppt_w/2"/>
-                                          </p:val>
-                                        </p:tav>
-                                        <p:tav tm="100000">
-                                          <p:val>
-                                            <p:strVal val="#ppt_x"/>
-                                          </p:val>
-                                        </p:tav>
-                                      </p:tavLst>
-                                    </p:anim>
-                                    <p:anim calcmode="lin" valueType="num">
-                                      <p:cBhvr additive="base">
-                                        <p:cTn id="14" dur="500" fill="hold"/>
-                                        <p:tgtEl>
-                                          <p:spTgt spid="5">
-                                            <p:txEl>
-                                              <p:pRg st="0" end="0"/>
-                                            </p:txEl>
-                                          </p:spTgt>
-                                        </p:tgtEl>
-                                        <p:attrNameLst>
-                                          <p:attrName>ppt_y</p:attrName>
-                                        </p:attrNameLst>
-                                      </p:cBhvr>
-                                      <p:tavLst>
-                                        <p:tav tm="0">
-                                          <p:val>
-                                            <p:strVal val="#ppt_y"/>
-                                          </p:val>
-                                        </p:tav>
-                                        <p:tav tm="100000">
-                                          <p:val>
-                                            <p:strVal val="#ppt_y"/>
-                                          </p:val>
-                                        </p:tav>
-                                      </p:tavLst>
-                                    </p:anim>
-                                  </p:childTnLst>
-                                </p:cTn>
-                              </p:par>
-                            </p:childTnLst>
-                          </p:cTn>
-                        </p:par>
-                      </p:childTnLst>
-                    </p:cTn>
-                  </p:par>
-                  <p:par>
-                    <p:cTn id="15" fill="hold">
-                      <p:stCondLst>
-                        <p:cond delay="indefinite"/>
-                      </p:stCondLst>
-                      <p:childTnLst>
-                        <p:par>
-                          <p:cTn id="16" fill="hold">
-                            <p:stCondLst>
-                              <p:cond delay="0"/>
-                            </p:stCondLst>
-                            <p:childTnLst>
-                              <p:par>
-                                <p:cTn id="17" presetID="1" presetClass="entr" presetSubtype="0" fill="hold" nodeType="clickEffect">
-                                  <p:stCondLst>
-                                    <p:cond delay="0"/>
-                                  </p:stCondLst>
-                                  <p:childTnLst>
-                                    <p:set>
-                                      <p:cBhvr>
-                                        <p:cTn id="18" dur="1" fill="hold">
-                                          <p:stCondLst>
-                                            <p:cond delay="0"/>
-                                          </p:stCondLst>
-                                        </p:cTn>
-                                        <p:tgtEl>
-                                          <p:spTgt spid="7"/>
-                                        </p:tgtEl>
-                                        <p:attrNameLst>
-                                          <p:attrName>style.visibility</p:attrName>
-                                        </p:attrNameLst>
-                                      </p:cBhvr>
-                                      <p:to>
-                                        <p:strVal val="visible"/>
-                                      </p:to>
-                                    </p:set>
-                                  </p:childTnLst>
-                                </p:cTn>
-                              </p:par>
-                            </p:childTnLst>
-                          </p:cTn>
-                        </p:par>
-                      </p:childTnLst>
-                    </p:cTn>
-                  </p:par>
-                </p:childTnLst>
-              </p:cTn>
-              <p:prevCondLst>
-                <p:cond evt="onPrev" delay="0">
-                  <p:tgtEl>
-                    <p:sldTgt/>
-                  </p:tgtEl>
-                </p:cond>
-              </p:prevCondLst>
-              <p:nextCondLst>
-                <p:cond evt="onNext" delay="0">
-                  <p:tgtEl>
-                    <p:sldTgt/>
-                  </p:tgtEl>
-                </p:cond>
-              </p:nextCondLst>
-            </p:seq>
-          </p:childTnLst>
-        </p:cTn>
-      </p:par>
-    </p:tnLst>
-    <p:bldLst>
-      <p:bldP spid="89091" grpId="0" build="p" autoUpdateAnimBg="0"/>
-      <p:bldP spid="5" grpId="0" build="p" autoUpdateAnimBg="0"/>
-    </p:bldLst>
-  </p:timing>
-</p:sld>
-</file>
-
-<file path=ppt/slides/slide11.xml><?xml version="1.0" encoding="utf-8"?>
 <p:sld xmlns:a="http://schemas.openxmlformats.org/drawingml/2006/main" xmlns:r="http://schemas.openxmlformats.org/officeDocument/2006/relationships" xmlns:p="http://schemas.openxmlformats.org/presentationml/2006/main">
   <p:cSld>
     <p:bg>
@@ -6409,7 +5622,7 @@
                 <a:cs typeface="Calibri"/>
               </a:rPr>
               <a:pPr marL="25400"/>
-              <a:t>11</a:t>
+              <a:t>10</a:t>
             </a:fld>
             <a:endParaRPr sz="1200">
               <a:latin typeface="Calibri"/>
@@ -7918,7 +7131,7 @@
 </p:sld>
 </file>
 
-<file path=ppt/slides/slide12.xml><?xml version="1.0" encoding="utf-8"?>
+<file path=ppt/slides/slide11.xml><?xml version="1.0" encoding="utf-8"?>
 <p:sld xmlns:a="http://schemas.openxmlformats.org/drawingml/2006/main" xmlns:r="http://schemas.openxmlformats.org/officeDocument/2006/relationships" xmlns:p="http://schemas.openxmlformats.org/presentationml/2006/main" showMasterPhAnim="0">
   <p:cSld>
     <p:spTree>
@@ -8877,7 +8090,7 @@
 </p:sld>
 </file>
 
-<file path=ppt/slides/slide13.xml><?xml version="1.0" encoding="utf-8"?>
+<file path=ppt/slides/slide12.xml><?xml version="1.0" encoding="utf-8"?>
 <p:sld xmlns:a="http://schemas.openxmlformats.org/drawingml/2006/main" xmlns:r="http://schemas.openxmlformats.org/officeDocument/2006/relationships" xmlns:p="http://schemas.openxmlformats.org/presentationml/2006/main" showMasterPhAnim="0">
   <p:cSld>
     <p:spTree>
@@ -10809,7 +10022,7 @@
 </p:sld>
 </file>
 
-<file path=ppt/slides/slide14.xml><?xml version="1.0" encoding="utf-8"?>
+<file path=ppt/slides/slide13.xml><?xml version="1.0" encoding="utf-8"?>
 <p:sld xmlns:a="http://schemas.openxmlformats.org/drawingml/2006/main" xmlns:r="http://schemas.openxmlformats.org/officeDocument/2006/relationships" xmlns:p="http://schemas.openxmlformats.org/presentationml/2006/main" showMasterPhAnim="0">
   <p:cSld>
     <p:spTree>
@@ -14042,7 +13255,7 @@
 </p:sld>
 </file>
 
-<file path=ppt/slides/slide15.xml><?xml version="1.0" encoding="utf-8"?>
+<file path=ppt/slides/slide14.xml><?xml version="1.0" encoding="utf-8"?>
 <p:sld xmlns:a="http://schemas.openxmlformats.org/drawingml/2006/main" xmlns:r="http://schemas.openxmlformats.org/officeDocument/2006/relationships" xmlns:p="http://schemas.openxmlformats.org/presentationml/2006/main">
   <p:cSld>
     <p:spTree>
@@ -14346,43 +13559,6 @@
       </p:sp>
       <p:pic>
         <p:nvPicPr>
-          <p:cNvPr id="3" name="Imagen 2">
-            <a:extLst>
-              <a:ext uri="{FF2B5EF4-FFF2-40B4-BE49-F238E27FC236}">
-                <a16:creationId xmlns:a16="http://schemas.microsoft.com/office/drawing/2014/main" id="{3848F9A5-B6F0-4C98-A06F-E18C20A90901}"/>
-              </a:ext>
-            </a:extLst>
-          </p:cNvPr>
-          <p:cNvPicPr>
-            <a:picLocks noChangeAspect="1"/>
-          </p:cNvPicPr>
-          <p:nvPr/>
-        </p:nvPicPr>
-        <p:blipFill>
-          <a:blip r:embed="rId2"/>
-          <a:stretch>
-            <a:fillRect/>
-          </a:stretch>
-        </p:blipFill>
-        <p:spPr>
-          <a:xfrm>
-            <a:off x="965118" y="2954580"/>
-            <a:ext cx="7535540" cy="1728192"/>
-          </a:xfrm>
-          <a:prstGeom prst="rect">
-            <a:avLst/>
-          </a:prstGeom>
-          <a:effectLst>
-            <a:outerShdw blurRad="63500" sx="102000" sy="102000" algn="ctr" rotWithShape="0">
-              <a:prstClr val="black">
-                <a:alpha val="40000"/>
-              </a:prstClr>
-            </a:outerShdw>
-          </a:effectLst>
-        </p:spPr>
-      </p:pic>
-      <p:pic>
-        <p:nvPicPr>
           <p:cNvPr id="16" name="Imagen 15" descr="Imagen que contiene transporte, rueda&#10;&#10;Descripción generada automáticamente">
             <a:extLst>
               <a:ext uri="{FF2B5EF4-FFF2-40B4-BE49-F238E27FC236}">
@@ -14396,7 +13572,7 @@
           <p:nvPr/>
         </p:nvPicPr>
         <p:blipFill>
-          <a:blip r:embed="rId3" cstate="print">
+          <a:blip r:embed="rId2" cstate="print">
             <a:extLst>
               <a:ext uri="{28A0092B-C50C-407E-A947-70E740481C1C}">
                 <a14:useLocalDpi xmlns:a14="http://schemas.microsoft.com/office/drawing/2010/main" val="0"/>
@@ -14424,6 +13600,43 @@
           </a:effectLst>
         </p:spPr>
       </p:pic>
+      <p:pic>
+        <p:nvPicPr>
+          <p:cNvPr id="4" name="Imagen 3">
+            <a:extLst>
+              <a:ext uri="{FF2B5EF4-FFF2-40B4-BE49-F238E27FC236}">
+                <a16:creationId xmlns:a16="http://schemas.microsoft.com/office/drawing/2014/main" id="{1875380D-798E-4B05-8BF1-DA455C24D74A}"/>
+              </a:ext>
+            </a:extLst>
+          </p:cNvPr>
+          <p:cNvPicPr>
+            <a:picLocks noChangeAspect="1"/>
+          </p:cNvPicPr>
+          <p:nvPr/>
+        </p:nvPicPr>
+        <p:blipFill>
+          <a:blip r:embed="rId3"/>
+          <a:stretch>
+            <a:fillRect/>
+          </a:stretch>
+        </p:blipFill>
+        <p:spPr>
+          <a:xfrm>
+            <a:off x="588678" y="3149428"/>
+            <a:ext cx="7966644" cy="1573112"/>
+          </a:xfrm>
+          <a:prstGeom prst="rect">
+            <a:avLst/>
+          </a:prstGeom>
+          <a:effectLst>
+            <a:outerShdw blurRad="63500" sx="102000" sy="102000" algn="ctr" rotWithShape="0">
+              <a:prstClr val="black">
+                <a:alpha val="40000"/>
+              </a:prstClr>
+            </a:outerShdw>
+          </a:effectLst>
+        </p:spPr>
+      </p:pic>
     </p:spTree>
     <p:extLst>
       <p:ext uri="{BB962C8B-B14F-4D97-AF65-F5344CB8AC3E}">
@@ -14437,7 +13650,7 @@
 </p:sld>
 </file>
 
-<file path=ppt/slides/slide16.xml><?xml version="1.0" encoding="utf-8"?>
+<file path=ppt/slides/slide15.xml><?xml version="1.0" encoding="utf-8"?>
 <p:sld xmlns:a="http://schemas.openxmlformats.org/drawingml/2006/main" xmlns:r="http://schemas.openxmlformats.org/officeDocument/2006/relationships" xmlns:p="http://schemas.openxmlformats.org/presentationml/2006/main">
   <p:cSld>
     <p:spTree>
@@ -14532,43 +13745,6 @@
       </p:sp>
       <p:pic>
         <p:nvPicPr>
-          <p:cNvPr id="5" name="Imagen 4">
-            <a:extLst>
-              <a:ext uri="{FF2B5EF4-FFF2-40B4-BE49-F238E27FC236}">
-                <a16:creationId xmlns:a16="http://schemas.microsoft.com/office/drawing/2014/main" id="{BA0A2417-2208-4F11-A655-BE60FAD33D98}"/>
-              </a:ext>
-            </a:extLst>
-          </p:cNvPr>
-          <p:cNvPicPr>
-            <a:picLocks noChangeAspect="1"/>
-          </p:cNvPicPr>
-          <p:nvPr/>
-        </p:nvPicPr>
-        <p:blipFill>
-          <a:blip r:embed="rId3"/>
-          <a:stretch>
-            <a:fillRect/>
-          </a:stretch>
-        </p:blipFill>
-        <p:spPr>
-          <a:xfrm>
-            <a:off x="576683" y="1988840"/>
-            <a:ext cx="8158125" cy="3895871"/>
-          </a:xfrm>
-          <a:prstGeom prst="rect">
-            <a:avLst/>
-          </a:prstGeom>
-          <a:effectLst>
-            <a:outerShdw blurRad="63500" sx="102000" sy="102000" algn="ctr" rotWithShape="0">
-              <a:prstClr val="black">
-                <a:alpha val="40000"/>
-              </a:prstClr>
-            </a:outerShdw>
-          </a:effectLst>
-        </p:spPr>
-      </p:pic>
-      <p:pic>
-        <p:nvPicPr>
           <p:cNvPr id="9" name="Imagen 8">
             <a:extLst>
               <a:ext uri="{FF2B5EF4-FFF2-40B4-BE49-F238E27FC236}">
@@ -14582,7 +13758,7 @@
           <p:nvPr/>
         </p:nvPicPr>
         <p:blipFill>
-          <a:blip r:embed="rId4" cstate="print">
+          <a:blip r:embed="rId3" cstate="print">
             <a:extLst>
               <a:ext uri="{28A0092B-C50C-407E-A947-70E740481C1C}">
                 <a14:useLocalDpi xmlns:a14="http://schemas.microsoft.com/office/drawing/2010/main" val="0"/>
@@ -14595,7 +13771,7 @@
         </p:blipFill>
         <p:spPr>
           <a:xfrm>
-            <a:off x="8119563" y="5457189"/>
+            <a:off x="7755480" y="5140312"/>
             <a:ext cx="855044" cy="855044"/>
           </a:xfrm>
           <a:prstGeom prst="rect">
@@ -14626,7 +13802,7 @@
           <p:nvPr/>
         </p:nvPicPr>
         <p:blipFill>
-          <a:blip r:embed="rId5">
+          <a:blip r:embed="rId4">
             <a:extLst>
               <a:ext uri="{28A0092B-C50C-407E-A947-70E740481C1C}">
                 <a14:useLocalDpi xmlns:a14="http://schemas.microsoft.com/office/drawing/2010/main" val="0"/>
@@ -14647,6 +13823,36 @@
           </a:prstGeom>
         </p:spPr>
       </p:pic>
+      <p:pic>
+        <p:nvPicPr>
+          <p:cNvPr id="3" name="Imagen 2">
+            <a:extLst>
+              <a:ext uri="{FF2B5EF4-FFF2-40B4-BE49-F238E27FC236}">
+                <a16:creationId xmlns:a16="http://schemas.microsoft.com/office/drawing/2014/main" id="{440712EA-EB55-41A5-9274-19714F9D779C}"/>
+              </a:ext>
+            </a:extLst>
+          </p:cNvPr>
+          <p:cNvPicPr>
+            <a:picLocks noChangeAspect="1"/>
+          </p:cNvPicPr>
+          <p:nvPr/>
+        </p:nvPicPr>
+        <p:blipFill>
+          <a:blip r:embed="rId5"/>
+          <a:stretch>
+            <a:fillRect/>
+          </a:stretch>
+        </p:blipFill>
+        <p:spPr>
+          <a:xfrm>
+            <a:off x="561273" y="2177109"/>
+            <a:ext cx="7843669" cy="3280080"/>
+          </a:xfrm>
+          <a:prstGeom prst="rect">
+            <a:avLst/>
+          </a:prstGeom>
+        </p:spPr>
+      </p:pic>
     </p:spTree>
     <p:extLst>
       <p:ext uri="{BB962C8B-B14F-4D97-AF65-F5344CB8AC3E}">
@@ -14660,7 +13866,7 @@
 </p:sld>
 </file>
 
-<file path=ppt/slides/slide17.xml><?xml version="1.0" encoding="utf-8"?>
+<file path=ppt/slides/slide16.xml><?xml version="1.0" encoding="utf-8"?>
 <p:sld xmlns:a="http://schemas.openxmlformats.org/drawingml/2006/main" xmlns:r="http://schemas.openxmlformats.org/officeDocument/2006/relationships" xmlns:p="http://schemas.openxmlformats.org/presentationml/2006/main">
   <p:cSld>
     <p:spTree>
@@ -14948,7 +14154,7 @@
 </p:sld>
 </file>
 
-<file path=ppt/slides/slide18.xml><?xml version="1.0" encoding="utf-8"?>
+<file path=ppt/slides/slide17.xml><?xml version="1.0" encoding="utf-8"?>
 <p:sld xmlns:a="http://schemas.openxmlformats.org/drawingml/2006/main" xmlns:r="http://schemas.openxmlformats.org/officeDocument/2006/relationships" xmlns:p="http://schemas.openxmlformats.org/presentationml/2006/main">
   <p:cSld>
     <p:spTree>
@@ -15137,7 +14343,7 @@
                 <a:cs typeface="Calibri"/>
               </a:rPr>
               <a:pPr marL="25400"/>
-              <a:t>18</a:t>
+              <a:t>17</a:t>
             </a:fld>
             <a:endParaRPr sz="1200">
               <a:latin typeface="Calibri"/>
@@ -15337,7 +14543,7 @@
 </p:sld>
 </file>
 
-<file path=ppt/slides/slide19.xml><?xml version="1.0" encoding="utf-8"?>
+<file path=ppt/slides/slide18.xml><?xml version="1.0" encoding="utf-8"?>
 <p:sld xmlns:a="http://schemas.openxmlformats.org/drawingml/2006/main" xmlns:r="http://schemas.openxmlformats.org/officeDocument/2006/relationships" xmlns:p="http://schemas.openxmlformats.org/presentationml/2006/main">
   <p:cSld>
     <p:spTree>
@@ -16561,7 +15767,7 @@
                 <a:cs typeface="Calibri"/>
               </a:rPr>
               <a:pPr marL="25400"/>
-              <a:t>19</a:t>
+              <a:t>18</a:t>
             </a:fld>
             <a:endParaRPr dirty="0">
               <a:latin typeface="Calibri"/>
@@ -19870,466 +19076,6 @@
       </p:grpSpPr>
       <p:sp>
         <p:nvSpPr>
-          <p:cNvPr id="63490" name="Rectangle 2"/>
-          <p:cNvSpPr>
-            <a:spLocks noChangeArrowheads="1"/>
-          </p:cNvSpPr>
-          <p:nvPr/>
-        </p:nvSpPr>
-        <p:spPr bwMode="auto">
-          <a:xfrm>
-            <a:off x="669925" y="444500"/>
-            <a:ext cx="7772400" cy="1544638"/>
-          </a:xfrm>
-          <a:prstGeom prst="rect">
-            <a:avLst/>
-          </a:prstGeom>
-          <a:noFill/>
-          <a:ln>
-            <a:noFill/>
-          </a:ln>
-          <a:effectLst/>
-          <a:extLst>
-            <a:ext uri="{909E8E84-426E-40DD-AFC4-6F175D3DCCD1}">
-              <a14:hiddenFill xmlns:a14="http://schemas.microsoft.com/office/drawing/2010/main">
-                <a:solidFill>
-                  <a:schemeClr val="accent1"/>
-                </a:solidFill>
-              </a14:hiddenFill>
-            </a:ext>
-            <a:ext uri="{91240B29-F687-4F45-9708-019B960494DF}">
-              <a14:hiddenLine xmlns:a14="http://schemas.microsoft.com/office/drawing/2010/main" w="9525">
-                <a:solidFill>
-                  <a:schemeClr val="tx1"/>
-                </a:solidFill>
-                <a:miter lim="800000"/>
-                <a:headEnd/>
-                <a:tailEnd/>
-              </a14:hiddenLine>
-            </a:ext>
-            <a:ext uri="{AF507438-7753-43E0-B8FC-AC1667EBCBE1}">
-              <a14:hiddenEffects xmlns:a14="http://schemas.microsoft.com/office/drawing/2010/main">
-                <a:effectLst>
-                  <a:outerShdw dist="35921" dir="2700000" algn="ctr" rotWithShape="0">
-                    <a:schemeClr val="bg2"/>
-                  </a:outerShdw>
-                </a:effectLst>
-              </a14:hiddenEffects>
-            </a:ext>
-          </a:extLst>
-        </p:spPr>
-        <p:txBody>
-          <a:bodyPr lIns="92075" tIns="46038" rIns="92075" bIns="46038" anchor="ctr"/>
-          <a:lstStyle/>
-          <a:p>
-            <a:pPr algn="ctr" eaLnBrk="0" hangingPunct="0">
-              <a:defRPr/>
-            </a:pPr>
-            <a:r>
-              <a:rPr lang="es-ES_tradnl" sz="4400" b="1" dirty="0">
-                <a:solidFill>
-                  <a:srgbClr val="0070C0"/>
-                </a:solidFill>
-                <a:effectLst>
-                  <a:outerShdw blurRad="38100" dist="38100" dir="2700000" algn="tl">
-                    <a:srgbClr val="C0C0C0"/>
-                  </a:outerShdw>
-                </a:effectLst>
-                <a:latin typeface="Dom Casual" charset="0"/>
-              </a:rPr>
-              <a:t>Actividad Grupal</a:t>
-            </a:r>
-          </a:p>
-        </p:txBody>
-      </p:sp>
-      <p:sp>
-        <p:nvSpPr>
-          <p:cNvPr id="63491" name="Text Box 3"/>
-          <p:cNvSpPr txBox="1">
-            <a:spLocks noChangeArrowheads="1"/>
-          </p:cNvSpPr>
-          <p:nvPr/>
-        </p:nvSpPr>
-        <p:spPr bwMode="auto">
-          <a:xfrm>
-            <a:off x="1258888" y="2050802"/>
-            <a:ext cx="6623050" cy="1071768"/>
-          </a:xfrm>
-          <a:prstGeom prst="rect">
-            <a:avLst/>
-          </a:prstGeom>
-          <a:noFill/>
-          <a:ln>
-            <a:noFill/>
-          </a:ln>
-          <a:effectLst/>
-          <a:extLst>
-            <a:ext uri="{909E8E84-426E-40DD-AFC4-6F175D3DCCD1}">
-              <a14:hiddenFill xmlns:a14="http://schemas.microsoft.com/office/drawing/2010/main">
-                <a:solidFill>
-                  <a:schemeClr val="accent1"/>
-                </a:solidFill>
-              </a14:hiddenFill>
-            </a:ext>
-            <a:ext uri="{91240B29-F687-4F45-9708-019B960494DF}">
-              <a14:hiddenLine xmlns:a14="http://schemas.microsoft.com/office/drawing/2010/main" w="12700">
-                <a:solidFill>
-                  <a:schemeClr val="tx1"/>
-                </a:solidFill>
-                <a:miter lim="800000"/>
-                <a:headEnd type="none" w="sm" len="sm"/>
-                <a:tailEnd type="none" w="sm" len="sm"/>
-              </a14:hiddenLine>
-            </a:ext>
-            <a:ext uri="{AF507438-7753-43E0-B8FC-AC1667EBCBE1}">
-              <a14:hiddenEffects xmlns:a14="http://schemas.microsoft.com/office/drawing/2010/main">
-                <a:effectLst>
-                  <a:outerShdw dist="35921" dir="2700000" algn="ctr" rotWithShape="0">
-                    <a:schemeClr val="bg2"/>
-                  </a:outerShdw>
-                </a:effectLst>
-              </a14:hiddenEffects>
-            </a:ext>
-          </a:extLst>
-        </p:spPr>
-        <p:txBody>
-          <a:bodyPr>
-            <a:spAutoFit/>
-          </a:bodyPr>
-          <a:lstStyle>
-            <a:lvl1pPr defTabSz="762000" eaLnBrk="0" hangingPunct="0">
-              <a:defRPr sz="1600">
-                <a:solidFill>
-                  <a:schemeClr val="tx1"/>
-                </a:solidFill>
-                <a:latin typeface="Arial" pitchFamily="34" charset="0"/>
-              </a:defRPr>
-            </a:lvl1pPr>
-            <a:lvl2pPr marL="742950" indent="-285750" defTabSz="762000" eaLnBrk="0" hangingPunct="0">
-              <a:defRPr sz="1600">
-                <a:solidFill>
-                  <a:schemeClr val="tx1"/>
-                </a:solidFill>
-                <a:latin typeface="Arial" pitchFamily="34" charset="0"/>
-              </a:defRPr>
-            </a:lvl2pPr>
-            <a:lvl3pPr marL="1143000" indent="-228600" defTabSz="762000" eaLnBrk="0" hangingPunct="0">
-              <a:defRPr sz="1600">
-                <a:solidFill>
-                  <a:schemeClr val="tx1"/>
-                </a:solidFill>
-                <a:latin typeface="Arial" pitchFamily="34" charset="0"/>
-              </a:defRPr>
-            </a:lvl3pPr>
-            <a:lvl4pPr marL="1600200" indent="-228600" defTabSz="762000" eaLnBrk="0" hangingPunct="0">
-              <a:defRPr sz="1600">
-                <a:solidFill>
-                  <a:schemeClr val="tx1"/>
-                </a:solidFill>
-                <a:latin typeface="Arial" pitchFamily="34" charset="0"/>
-              </a:defRPr>
-            </a:lvl4pPr>
-            <a:lvl5pPr marL="2057400" indent="-228600" defTabSz="762000" eaLnBrk="0" hangingPunct="0">
-              <a:defRPr sz="1600">
-                <a:solidFill>
-                  <a:schemeClr val="tx1"/>
-                </a:solidFill>
-                <a:latin typeface="Arial" pitchFamily="34" charset="0"/>
-              </a:defRPr>
-            </a:lvl5pPr>
-            <a:lvl6pPr marL="2514600" indent="-228600" defTabSz="762000" eaLnBrk="0" fontAlgn="base" hangingPunct="0">
-              <a:spcBef>
-                <a:spcPct val="0"/>
-              </a:spcBef>
-              <a:spcAft>
-                <a:spcPct val="0"/>
-              </a:spcAft>
-              <a:defRPr sz="1600">
-                <a:solidFill>
-                  <a:schemeClr val="tx1"/>
-                </a:solidFill>
-                <a:latin typeface="Arial" pitchFamily="34" charset="0"/>
-              </a:defRPr>
-            </a:lvl6pPr>
-            <a:lvl7pPr marL="2971800" indent="-228600" defTabSz="762000" eaLnBrk="0" fontAlgn="base" hangingPunct="0">
-              <a:spcBef>
-                <a:spcPct val="0"/>
-              </a:spcBef>
-              <a:spcAft>
-                <a:spcPct val="0"/>
-              </a:spcAft>
-              <a:defRPr sz="1600">
-                <a:solidFill>
-                  <a:schemeClr val="tx1"/>
-                </a:solidFill>
-                <a:latin typeface="Arial" pitchFamily="34" charset="0"/>
-              </a:defRPr>
-            </a:lvl7pPr>
-            <a:lvl8pPr marL="3429000" indent="-228600" defTabSz="762000" eaLnBrk="0" fontAlgn="base" hangingPunct="0">
-              <a:spcBef>
-                <a:spcPct val="0"/>
-              </a:spcBef>
-              <a:spcAft>
-                <a:spcPct val="0"/>
-              </a:spcAft>
-              <a:defRPr sz="1600">
-                <a:solidFill>
-                  <a:schemeClr val="tx1"/>
-                </a:solidFill>
-                <a:latin typeface="Arial" pitchFamily="34" charset="0"/>
-              </a:defRPr>
-            </a:lvl8pPr>
-            <a:lvl9pPr marL="3886200" indent="-228600" defTabSz="762000" eaLnBrk="0" fontAlgn="base" hangingPunct="0">
-              <a:spcBef>
-                <a:spcPct val="0"/>
-              </a:spcBef>
-              <a:spcAft>
-                <a:spcPct val="0"/>
-              </a:spcAft>
-              <a:defRPr sz="1600">
-                <a:solidFill>
-                  <a:schemeClr val="tx1"/>
-                </a:solidFill>
-                <a:latin typeface="Arial" pitchFamily="34" charset="0"/>
-              </a:defRPr>
-            </a:lvl9pPr>
-          </a:lstStyle>
-          <a:p>
-            <a:pPr algn="ctr">
-              <a:lnSpc>
-                <a:spcPts val="4000"/>
-              </a:lnSpc>
-            </a:pPr>
-            <a:r>
-              <a:rPr lang="es-MX" sz="2800" dirty="0">
-                <a:solidFill>
-                  <a:schemeClr val="bg2">
-                    <a:lumMod val="25000"/>
-                  </a:schemeClr>
-                </a:solidFill>
-              </a:rPr>
-              <a:t>Definir el algoritmo que sigues para venir a clase</a:t>
-            </a:r>
-            <a:endParaRPr lang="es-ES" sz="2800" dirty="0">
-              <a:solidFill>
-                <a:schemeClr val="bg2">
-                  <a:lumMod val="25000"/>
-                </a:schemeClr>
-              </a:solidFill>
-            </a:endParaRPr>
-          </a:p>
-        </p:txBody>
-      </p:sp>
-      <p:pic>
-        <p:nvPicPr>
-          <p:cNvPr id="3077" name="Picture 5"/>
-          <p:cNvPicPr>
-            <a:picLocks noChangeAspect="1" noChangeArrowheads="1"/>
-          </p:cNvPicPr>
-          <p:nvPr/>
-        </p:nvPicPr>
-        <p:blipFill>
-          <a:blip r:embed="rId3">
-            <a:extLst>
-              <a:ext uri="{28A0092B-C50C-407E-A947-70E740481C1C}">
-                <a14:useLocalDpi xmlns:a14="http://schemas.microsoft.com/office/drawing/2010/main" val="0"/>
-              </a:ext>
-            </a:extLst>
-          </a:blip>
-          <a:srcRect/>
-          <a:stretch>
-            <a:fillRect/>
-          </a:stretch>
-        </p:blipFill>
-        <p:spPr bwMode="auto">
-          <a:xfrm>
-            <a:off x="2843808" y="3284984"/>
-            <a:ext cx="3744416" cy="2481240"/>
-          </a:xfrm>
-          <a:prstGeom prst="rect">
-            <a:avLst/>
-          </a:prstGeom>
-          <a:noFill/>
-          <a:ln>
-            <a:noFill/>
-          </a:ln>
-          <a:extLst>
-            <a:ext uri="{909E8E84-426E-40DD-AFC4-6F175D3DCCD1}">
-              <a14:hiddenFill xmlns:a14="http://schemas.microsoft.com/office/drawing/2010/main">
-                <a:solidFill>
-                  <a:schemeClr val="accent1"/>
-                </a:solidFill>
-              </a14:hiddenFill>
-            </a:ext>
-            <a:ext uri="{91240B29-F687-4F45-9708-019B960494DF}">
-              <a14:hiddenLine xmlns:a14="http://schemas.microsoft.com/office/drawing/2010/main" w="9525">
-                <a:solidFill>
-                  <a:schemeClr val="tx1"/>
-                </a:solidFill>
-                <a:miter lim="800000"/>
-                <a:headEnd/>
-                <a:tailEnd/>
-              </a14:hiddenLine>
-            </a:ext>
-          </a:extLst>
-        </p:spPr>
-      </p:pic>
-    </p:spTree>
-    <p:extLst>
-      <p:ext uri="{BB962C8B-B14F-4D97-AF65-F5344CB8AC3E}">
-        <p14:creationId xmlns:p14="http://schemas.microsoft.com/office/powerpoint/2010/main" val="792433705"/>
-      </p:ext>
-    </p:extLst>
-  </p:cSld>
-  <p:clrMapOvr>
-    <a:masterClrMapping/>
-  </p:clrMapOvr>
-  <p:timing>
-    <p:tnLst>
-      <p:par>
-        <p:cTn id="1" dur="indefinite" restart="never" nodeType="tmRoot">
-          <p:childTnLst>
-            <p:seq concurrent="1" nextAc="seek">
-              <p:cTn id="2" dur="indefinite" nodeType="mainSeq">
-                <p:childTnLst>
-                  <p:par>
-                    <p:cTn id="3" fill="hold" nodeType="clickPar">
-                      <p:stCondLst>
-                        <p:cond delay="indefinite"/>
-                      </p:stCondLst>
-                      <p:childTnLst>
-                        <p:par>
-                          <p:cTn id="4" fill="hold" nodeType="withGroup">
-                            <p:stCondLst>
-                              <p:cond delay="0"/>
-                            </p:stCondLst>
-                            <p:childTnLst>
-                              <p:par>
-                                <p:cTn id="5" presetID="2" presetClass="entr" presetSubtype="8" fill="hold" grpId="0" nodeType="clickEffect">
-                                  <p:stCondLst>
-                                    <p:cond delay="0"/>
-                                  </p:stCondLst>
-                                  <p:childTnLst>
-                                    <p:set>
-                                      <p:cBhvr>
-                                        <p:cTn id="6" dur="1" fill="hold">
-                                          <p:stCondLst>
-                                            <p:cond delay="0"/>
-                                          </p:stCondLst>
-                                        </p:cTn>
-                                        <p:tgtEl>
-                                          <p:spTgt spid="63491"/>
-                                        </p:tgtEl>
-                                        <p:attrNameLst>
-                                          <p:attrName>style.visibility</p:attrName>
-                                        </p:attrNameLst>
-                                      </p:cBhvr>
-                                      <p:to>
-                                        <p:strVal val="visible"/>
-                                      </p:to>
-                                    </p:set>
-                                    <p:anim calcmode="lin" valueType="num">
-                                      <p:cBhvr additive="base">
-                                        <p:cTn id="7" dur="500" fill="hold"/>
-                                        <p:tgtEl>
-                                          <p:spTgt spid="63491"/>
-                                        </p:tgtEl>
-                                        <p:attrNameLst>
-                                          <p:attrName>ppt_x</p:attrName>
-                                        </p:attrNameLst>
-                                      </p:cBhvr>
-                                      <p:tavLst>
-                                        <p:tav tm="0">
-                                          <p:val>
-                                            <p:strVal val="0-#ppt_w/2"/>
-                                          </p:val>
-                                        </p:tav>
-                                        <p:tav tm="100000">
-                                          <p:val>
-                                            <p:strVal val="#ppt_x"/>
-                                          </p:val>
-                                        </p:tav>
-                                      </p:tavLst>
-                                    </p:anim>
-                                    <p:anim calcmode="lin" valueType="num">
-                                      <p:cBhvr additive="base">
-                                        <p:cTn id="8" dur="500" fill="hold"/>
-                                        <p:tgtEl>
-                                          <p:spTgt spid="63491"/>
-                                        </p:tgtEl>
-                                        <p:attrNameLst>
-                                          <p:attrName>ppt_y</p:attrName>
-                                        </p:attrNameLst>
-                                      </p:cBhvr>
-                                      <p:tavLst>
-                                        <p:tav tm="0">
-                                          <p:val>
-                                            <p:strVal val="#ppt_y"/>
-                                          </p:val>
-                                        </p:tav>
-                                        <p:tav tm="100000">
-                                          <p:val>
-                                            <p:strVal val="#ppt_y"/>
-                                          </p:val>
-                                        </p:tav>
-                                      </p:tavLst>
-                                    </p:anim>
-                                  </p:childTnLst>
-                                </p:cTn>
-                              </p:par>
-                            </p:childTnLst>
-                          </p:cTn>
-                        </p:par>
-                      </p:childTnLst>
-                    </p:cTn>
-                  </p:par>
-                </p:childTnLst>
-              </p:cTn>
-              <p:prevCondLst>
-                <p:cond evt="onPrev" delay="0">
-                  <p:tgtEl>
-                    <p:sldTgt/>
-                  </p:tgtEl>
-                </p:cond>
-              </p:prevCondLst>
-              <p:nextCondLst>
-                <p:cond evt="onNext" delay="0">
-                  <p:tgtEl>
-                    <p:sldTgt/>
-                  </p:tgtEl>
-                </p:cond>
-              </p:nextCondLst>
-            </p:seq>
-          </p:childTnLst>
-        </p:cTn>
-      </p:par>
-    </p:tnLst>
-    <p:bldLst>
-      <p:bldP spid="63491" grpId="0" autoUpdateAnimBg="0"/>
-    </p:bldLst>
-  </p:timing>
-</p:sld>
-</file>
-
-<file path=ppt/slides/slide6.xml><?xml version="1.0" encoding="utf-8"?>
-<p:sld xmlns:a="http://schemas.openxmlformats.org/drawingml/2006/main" xmlns:r="http://schemas.openxmlformats.org/officeDocument/2006/relationships" xmlns:p="http://schemas.openxmlformats.org/presentationml/2006/main">
-  <p:cSld>
-    <p:spTree>
-      <p:nvGrpSpPr>
-        <p:cNvPr id="1" name=""/>
-        <p:cNvGrpSpPr/>
-        <p:nvPr/>
-      </p:nvGrpSpPr>
-      <p:grpSpPr>
-        <a:xfrm>
-          <a:off x="0" y="0"/>
-          <a:ext cx="0" cy="0"/>
-          <a:chOff x="0" y="0"/>
-          <a:chExt cx="0" cy="0"/>
-        </a:xfrm>
-      </p:grpSpPr>
-      <p:sp>
-        <p:nvSpPr>
           <p:cNvPr id="49158" name="Rectangle 6"/>
           <p:cNvSpPr>
             <a:spLocks noGrp="1" noChangeArrowheads="1"/>
@@ -20494,7 +19240,7 @@
 </p:sld>
 </file>
 
-<file path=ppt/slides/slide7.xml><?xml version="1.0" encoding="utf-8"?>
+<file path=ppt/slides/slide6.xml><?xml version="1.0" encoding="utf-8"?>
 <p:sld xmlns:a="http://schemas.openxmlformats.org/drawingml/2006/main" xmlns:r="http://schemas.openxmlformats.org/officeDocument/2006/relationships" xmlns:p="http://schemas.openxmlformats.org/presentationml/2006/main">
   <p:cSld>
     <p:spTree>
@@ -21046,7 +19792,7 @@
 </p:sld>
 </file>
 
-<file path=ppt/slides/slide8.xml><?xml version="1.0" encoding="utf-8"?>
+<file path=ppt/slides/slide7.xml><?xml version="1.0" encoding="utf-8"?>
 <p:sld xmlns:a="http://schemas.openxmlformats.org/drawingml/2006/main" xmlns:r="http://schemas.openxmlformats.org/officeDocument/2006/relationships" xmlns:p="http://schemas.openxmlformats.org/presentationml/2006/main">
   <p:cSld>
     <p:spTree>
@@ -21373,7 +20119,7 @@
 </p:sld>
 </file>
 
-<file path=ppt/slides/slide9.xml><?xml version="1.0" encoding="utf-8"?>
+<file path=ppt/slides/slide8.xml><?xml version="1.0" encoding="utf-8"?>
 <p:sld xmlns:a="http://schemas.openxmlformats.org/drawingml/2006/main" xmlns:r="http://schemas.openxmlformats.org/officeDocument/2006/relationships" xmlns:p="http://schemas.openxmlformats.org/presentationml/2006/main" showMasterPhAnim="0">
   <p:cSld>
     <p:spTree>
@@ -21759,6 +20505,708 @@
     </p:tnLst>
     <p:bldLst>
       <p:bldP spid="9219" grpId="0" build="p" autoUpdateAnimBg="0" advAuto="0"/>
+    </p:bldLst>
+  </p:timing>
+</p:sld>
+</file>
+
+<file path=ppt/slides/slide9.xml><?xml version="1.0" encoding="utf-8"?>
+<p:sld xmlns:a="http://schemas.openxmlformats.org/drawingml/2006/main" xmlns:r="http://schemas.openxmlformats.org/officeDocument/2006/relationships" xmlns:p="http://schemas.openxmlformats.org/presentationml/2006/main" showMasterPhAnim="0">
+  <p:cSld>
+    <p:spTree>
+      <p:nvGrpSpPr>
+        <p:cNvPr id="1" name=""/>
+        <p:cNvGrpSpPr/>
+        <p:nvPr/>
+      </p:nvGrpSpPr>
+      <p:grpSpPr>
+        <a:xfrm>
+          <a:off x="0" y="0"/>
+          <a:ext cx="0" cy="0"/>
+          <a:chOff x="0" y="0"/>
+          <a:chExt cx="0" cy="0"/>
+        </a:xfrm>
+      </p:grpSpPr>
+      <p:sp>
+        <p:nvSpPr>
+          <p:cNvPr id="89090" name="Rectangle 2"/>
+          <p:cNvSpPr>
+            <a:spLocks noGrp="1" noChangeArrowheads="1"/>
+          </p:cNvSpPr>
+          <p:nvPr>
+            <p:ph type="title"/>
+          </p:nvPr>
+        </p:nvSpPr>
+        <p:spPr>
+          <a:xfrm>
+            <a:off x="395288" y="413792"/>
+            <a:ext cx="8281168" cy="1143000"/>
+          </a:xfrm>
+        </p:spPr>
+        <p:txBody>
+          <a:bodyPr lIns="92075" tIns="46038" rIns="92075" bIns="46038">
+            <a:normAutofit fontScale="90000"/>
+          </a:bodyPr>
+          <a:lstStyle/>
+          <a:p>
+            <a:pPr eaLnBrk="1" hangingPunct="1">
+              <a:defRPr/>
+            </a:pPr>
+            <a:r>
+              <a:rPr lang="es-ES_tradnl" dirty="0">
+                <a:effectLst>
+                  <a:outerShdw blurRad="38100" dist="38100" dir="2700000" algn="tl">
+                    <a:srgbClr val="C0C0C0"/>
+                  </a:outerShdw>
+                </a:effectLst>
+              </a:rPr>
+              <a:t> </a:t>
+            </a:r>
+            <a:r>
+              <a:rPr lang="es-ES_tradnl" b="1" dirty="0">
+                <a:solidFill>
+                  <a:schemeClr val="accent4">
+                    <a:lumMod val="50000"/>
+                  </a:schemeClr>
+                </a:solidFill>
+                <a:effectLst>
+                  <a:outerShdw blurRad="38100" dist="38100" dir="2700000" algn="tl">
+                    <a:srgbClr val="C0C0C0"/>
+                  </a:outerShdw>
+                </a:effectLst>
+              </a:rPr>
+              <a:t>¿Qué se requiere para escribir un programa?</a:t>
+            </a:r>
+          </a:p>
+        </p:txBody>
+      </p:sp>
+      <p:sp>
+        <p:nvSpPr>
+          <p:cNvPr id="89091" name="Rectangle 3"/>
+          <p:cNvSpPr>
+            <a:spLocks noGrp="1" noChangeArrowheads="1"/>
+          </p:cNvSpPr>
+          <p:nvPr>
+            <p:ph type="body" idx="1"/>
+          </p:nvPr>
+        </p:nvSpPr>
+        <p:spPr>
+          <a:xfrm>
+            <a:off x="611560" y="1958341"/>
+            <a:ext cx="8064896" cy="1245507"/>
+          </a:xfrm>
+        </p:spPr>
+        <p:txBody>
+          <a:bodyPr lIns="92075" tIns="46038" rIns="92075" bIns="46038">
+            <a:normAutofit/>
+          </a:bodyPr>
+          <a:lstStyle/>
+          <a:p>
+            <a:pPr algn="just" eaLnBrk="1" hangingPunct="1">
+              <a:lnSpc>
+                <a:spcPct val="105000"/>
+              </a:lnSpc>
+              <a:spcAft>
+                <a:spcPts val="600"/>
+              </a:spcAft>
+              <a:defRPr/>
+            </a:pPr>
+            <a:r>
+              <a:rPr lang="es-ES_tradnl" sz="2400" b="1" dirty="0">
+                <a:solidFill>
+                  <a:schemeClr val="accent6">
+                    <a:lumMod val="75000"/>
+                  </a:schemeClr>
+                </a:solidFill>
+              </a:rPr>
+              <a:t>Un </a:t>
+            </a:r>
+            <a:r>
+              <a:rPr lang="es-ES_tradnl" sz="2400" b="1" dirty="0">
+                <a:solidFill>
+                  <a:schemeClr val="accent6">
+                    <a:lumMod val="75000"/>
+                  </a:schemeClr>
+                </a:solidFill>
+                <a:effectLst>
+                  <a:outerShdw blurRad="38100" dist="38100" dir="2700000" algn="tl">
+                    <a:srgbClr val="C0C0C0"/>
+                  </a:outerShdw>
+                </a:effectLst>
+              </a:rPr>
+              <a:t>editor</a:t>
+            </a:r>
+            <a:r>
+              <a:rPr lang="es-ES_tradnl" sz="2400" b="1" dirty="0">
+                <a:solidFill>
+                  <a:schemeClr val="accent6">
+                    <a:lumMod val="75000"/>
+                  </a:schemeClr>
+                </a:solidFill>
+              </a:rPr>
+              <a:t>: </a:t>
+            </a:r>
+            <a:r>
+              <a:rPr lang="es-ES_tradnl" sz="2400" dirty="0">
+                <a:solidFill>
+                  <a:schemeClr val="bg2">
+                    <a:lumMod val="25000"/>
+                  </a:schemeClr>
+                </a:solidFill>
+              </a:rPr>
+              <a:t>Es una herramienta de software que facilita la escritura de programas. Es un software parecido a un “procesador de palabras”.</a:t>
+            </a:r>
+          </a:p>
+        </p:txBody>
+      </p:sp>
+      <p:pic>
+        <p:nvPicPr>
+          <p:cNvPr id="7" name="Imagen 6">
+            <a:extLst>
+              <a:ext uri="{FF2B5EF4-FFF2-40B4-BE49-F238E27FC236}">
+                <a16:creationId xmlns:a16="http://schemas.microsoft.com/office/drawing/2014/main" id="{16A335E9-B863-40F4-966B-DE5597E95E6B}"/>
+              </a:ext>
+            </a:extLst>
+          </p:cNvPr>
+          <p:cNvPicPr>
+            <a:picLocks noChangeAspect="1"/>
+          </p:cNvPicPr>
+          <p:nvPr/>
+        </p:nvPicPr>
+        <p:blipFill>
+          <a:blip r:embed="rId3"/>
+          <a:stretch>
+            <a:fillRect/>
+          </a:stretch>
+        </p:blipFill>
+        <p:spPr>
+          <a:xfrm>
+            <a:off x="2248160" y="4842284"/>
+            <a:ext cx="4791695" cy="1575048"/>
+          </a:xfrm>
+          <a:prstGeom prst="rect">
+            <a:avLst/>
+          </a:prstGeom>
+        </p:spPr>
+      </p:pic>
+      <p:sp>
+        <p:nvSpPr>
+          <p:cNvPr id="5" name="Rectangle 3">
+            <a:extLst>
+              <a:ext uri="{FF2B5EF4-FFF2-40B4-BE49-F238E27FC236}">
+                <a16:creationId xmlns:a16="http://schemas.microsoft.com/office/drawing/2014/main" id="{9C446808-D349-41FC-B996-C47845BFFC5D}"/>
+              </a:ext>
+            </a:extLst>
+          </p:cNvPr>
+          <p:cNvSpPr txBox="1">
+            <a:spLocks noChangeArrowheads="1"/>
+          </p:cNvSpPr>
+          <p:nvPr/>
+        </p:nvSpPr>
+        <p:spPr>
+          <a:xfrm>
+            <a:off x="611560" y="3320988"/>
+            <a:ext cx="8064896" cy="1404156"/>
+          </a:xfrm>
+          <a:prstGeom prst="rect">
+            <a:avLst/>
+          </a:prstGeom>
+        </p:spPr>
+        <p:txBody>
+          <a:bodyPr vert="horz" lIns="92075" tIns="46038" rIns="92075" bIns="46038" rtlCol="0">
+            <a:normAutofit/>
+          </a:bodyPr>
+          <a:lstStyle>
+            <a:lvl1pPr marL="342900" indent="-342900" algn="l" defTabSz="914400" rtl="0" eaLnBrk="1" latinLnBrk="0" hangingPunct="1">
+              <a:spcBef>
+                <a:spcPct val="20000"/>
+              </a:spcBef>
+              <a:buFont typeface="Arial" pitchFamily="34" charset="0"/>
+              <a:buChar char="•"/>
+              <a:defRPr sz="3200" kern="1200">
+                <a:solidFill>
+                  <a:schemeClr val="tx1"/>
+                </a:solidFill>
+                <a:latin typeface="+mn-lt"/>
+                <a:ea typeface="+mn-ea"/>
+                <a:cs typeface="+mn-cs"/>
+              </a:defRPr>
+            </a:lvl1pPr>
+            <a:lvl2pPr marL="742950" indent="-285750" algn="l" defTabSz="914400" rtl="0" eaLnBrk="1" latinLnBrk="0" hangingPunct="1">
+              <a:spcBef>
+                <a:spcPct val="20000"/>
+              </a:spcBef>
+              <a:buFont typeface="Arial" pitchFamily="34" charset="0"/>
+              <a:buChar char="–"/>
+              <a:defRPr sz="2800" kern="1200">
+                <a:solidFill>
+                  <a:schemeClr val="tx1"/>
+                </a:solidFill>
+                <a:latin typeface="+mn-lt"/>
+                <a:ea typeface="+mn-ea"/>
+                <a:cs typeface="+mn-cs"/>
+              </a:defRPr>
+            </a:lvl2pPr>
+            <a:lvl3pPr marL="1143000" indent="-228600" algn="l" defTabSz="914400" rtl="0" eaLnBrk="1" latinLnBrk="0" hangingPunct="1">
+              <a:spcBef>
+                <a:spcPct val="20000"/>
+              </a:spcBef>
+              <a:buFont typeface="Arial" pitchFamily="34" charset="0"/>
+              <a:buChar char="•"/>
+              <a:defRPr sz="2400" kern="1200">
+                <a:solidFill>
+                  <a:schemeClr val="tx1"/>
+                </a:solidFill>
+                <a:latin typeface="+mn-lt"/>
+                <a:ea typeface="+mn-ea"/>
+                <a:cs typeface="+mn-cs"/>
+              </a:defRPr>
+            </a:lvl3pPr>
+            <a:lvl4pPr marL="1600200" indent="-228600" algn="l" defTabSz="914400" rtl="0" eaLnBrk="1" latinLnBrk="0" hangingPunct="1">
+              <a:spcBef>
+                <a:spcPct val="20000"/>
+              </a:spcBef>
+              <a:buFont typeface="Arial" pitchFamily="34" charset="0"/>
+              <a:buChar char="–"/>
+              <a:defRPr sz="2000" kern="1200">
+                <a:solidFill>
+                  <a:schemeClr val="tx1"/>
+                </a:solidFill>
+                <a:latin typeface="+mn-lt"/>
+                <a:ea typeface="+mn-ea"/>
+                <a:cs typeface="+mn-cs"/>
+              </a:defRPr>
+            </a:lvl4pPr>
+            <a:lvl5pPr marL="2057400" indent="-228600" algn="l" defTabSz="914400" rtl="0" eaLnBrk="1" latinLnBrk="0" hangingPunct="1">
+              <a:spcBef>
+                <a:spcPct val="20000"/>
+              </a:spcBef>
+              <a:buFont typeface="Arial" pitchFamily="34" charset="0"/>
+              <a:buChar char="»"/>
+              <a:defRPr sz="2000" kern="1200">
+                <a:solidFill>
+                  <a:schemeClr val="tx1"/>
+                </a:solidFill>
+                <a:latin typeface="+mn-lt"/>
+                <a:ea typeface="+mn-ea"/>
+                <a:cs typeface="+mn-cs"/>
+              </a:defRPr>
+            </a:lvl5pPr>
+            <a:lvl6pPr marL="2514600" indent="-228600" algn="l" defTabSz="914400" rtl="0" eaLnBrk="1" latinLnBrk="0" hangingPunct="1">
+              <a:spcBef>
+                <a:spcPct val="20000"/>
+              </a:spcBef>
+              <a:buFont typeface="Arial" pitchFamily="34" charset="0"/>
+              <a:buChar char="•"/>
+              <a:defRPr sz="2000" kern="1200">
+                <a:solidFill>
+                  <a:schemeClr val="tx1"/>
+                </a:solidFill>
+                <a:latin typeface="+mn-lt"/>
+                <a:ea typeface="+mn-ea"/>
+                <a:cs typeface="+mn-cs"/>
+              </a:defRPr>
+            </a:lvl6pPr>
+            <a:lvl7pPr marL="2971800" indent="-228600" algn="l" defTabSz="914400" rtl="0" eaLnBrk="1" latinLnBrk="0" hangingPunct="1">
+              <a:spcBef>
+                <a:spcPct val="20000"/>
+              </a:spcBef>
+              <a:buFont typeface="Arial" pitchFamily="34" charset="0"/>
+              <a:buChar char="•"/>
+              <a:defRPr sz="2000" kern="1200">
+                <a:solidFill>
+                  <a:schemeClr val="tx1"/>
+                </a:solidFill>
+                <a:latin typeface="+mn-lt"/>
+                <a:ea typeface="+mn-ea"/>
+                <a:cs typeface="+mn-cs"/>
+              </a:defRPr>
+            </a:lvl7pPr>
+            <a:lvl8pPr marL="3429000" indent="-228600" algn="l" defTabSz="914400" rtl="0" eaLnBrk="1" latinLnBrk="0" hangingPunct="1">
+              <a:spcBef>
+                <a:spcPct val="20000"/>
+              </a:spcBef>
+              <a:buFont typeface="Arial" pitchFamily="34" charset="0"/>
+              <a:buChar char="•"/>
+              <a:defRPr sz="2000" kern="1200">
+                <a:solidFill>
+                  <a:schemeClr val="tx1"/>
+                </a:solidFill>
+                <a:latin typeface="+mn-lt"/>
+                <a:ea typeface="+mn-ea"/>
+                <a:cs typeface="+mn-cs"/>
+              </a:defRPr>
+            </a:lvl8pPr>
+            <a:lvl9pPr marL="3886200" indent="-228600" algn="l" defTabSz="914400" rtl="0" eaLnBrk="1" latinLnBrk="0" hangingPunct="1">
+              <a:spcBef>
+                <a:spcPct val="20000"/>
+              </a:spcBef>
+              <a:buFont typeface="Arial" pitchFamily="34" charset="0"/>
+              <a:buChar char="•"/>
+              <a:defRPr sz="2000" kern="1200">
+                <a:solidFill>
+                  <a:schemeClr val="tx1"/>
+                </a:solidFill>
+                <a:latin typeface="+mn-lt"/>
+                <a:ea typeface="+mn-ea"/>
+                <a:cs typeface="+mn-cs"/>
+              </a:defRPr>
+            </a:lvl9pPr>
+          </a:lstStyle>
+          <a:p>
+            <a:pPr algn="just">
+              <a:lnSpc>
+                <a:spcPct val="105000"/>
+              </a:lnSpc>
+              <a:spcAft>
+                <a:spcPts val="600"/>
+              </a:spcAft>
+              <a:defRPr/>
+            </a:pPr>
+            <a:r>
+              <a:rPr lang="es-ES_tradnl" sz="2400" b="1" dirty="0">
+                <a:solidFill>
+                  <a:schemeClr val="accent6">
+                    <a:lumMod val="75000"/>
+                  </a:schemeClr>
+                </a:solidFill>
+              </a:rPr>
+              <a:t>Un </a:t>
+            </a:r>
+            <a:r>
+              <a:rPr lang="es-ES_tradnl" sz="2400" b="1" dirty="0">
+                <a:solidFill>
+                  <a:schemeClr val="accent6">
+                    <a:lumMod val="75000"/>
+                  </a:schemeClr>
+                </a:solidFill>
+                <a:effectLst>
+                  <a:outerShdw blurRad="38100" dist="38100" dir="2700000" algn="tl">
+                    <a:srgbClr val="C0C0C0"/>
+                  </a:outerShdw>
+                </a:effectLst>
+              </a:rPr>
+              <a:t>compilador:</a:t>
+            </a:r>
+            <a:r>
+              <a:rPr lang="es-ES_tradnl" sz="2400" b="1" dirty="0">
+                <a:solidFill>
+                  <a:schemeClr val="accent6">
+                    <a:lumMod val="75000"/>
+                  </a:schemeClr>
+                </a:solidFill>
+              </a:rPr>
+              <a:t> </a:t>
+            </a:r>
+            <a:r>
+              <a:rPr lang="es-ES_tradnl" sz="2400" dirty="0">
+                <a:solidFill>
+                  <a:schemeClr val="bg2">
+                    <a:lumMod val="25000"/>
+                  </a:schemeClr>
+                </a:solidFill>
+              </a:rPr>
+              <a:t>Es una herramienta que traduce un programa escrito en un lenguaje de programación (código fuente) al lenguaje máquina.</a:t>
+            </a:r>
+          </a:p>
+        </p:txBody>
+      </p:sp>
+    </p:spTree>
+    <p:extLst>
+      <p:ext uri="{BB962C8B-B14F-4D97-AF65-F5344CB8AC3E}">
+        <p14:creationId xmlns:p14="http://schemas.microsoft.com/office/powerpoint/2010/main" val="1199498173"/>
+      </p:ext>
+    </p:extLst>
+  </p:cSld>
+  <p:clrMapOvr>
+    <a:masterClrMapping/>
+  </p:clrMapOvr>
+  <p:transition>
+    <p:cover dir="ru"/>
+  </p:transition>
+  <p:timing>
+    <p:tnLst>
+      <p:par>
+        <p:cTn id="1" dur="indefinite" restart="never" nodeType="tmRoot">
+          <p:childTnLst>
+            <p:seq concurrent="1" nextAc="seek">
+              <p:cTn id="2" dur="indefinite" nodeType="mainSeq">
+                <p:childTnLst>
+                  <p:par>
+                    <p:cTn id="3" fill="hold" nodeType="clickPar">
+                      <p:stCondLst>
+                        <p:cond delay="indefinite"/>
+                      </p:stCondLst>
+                      <p:childTnLst>
+                        <p:par>
+                          <p:cTn id="4" fill="hold" nodeType="withGroup">
+                            <p:stCondLst>
+                              <p:cond delay="0"/>
+                            </p:stCondLst>
+                            <p:childTnLst>
+                              <p:par>
+                                <p:cTn id="5" presetID="2" presetClass="entr" presetSubtype="2" fill="hold" grpId="0" nodeType="clickEffect">
+                                  <p:stCondLst>
+                                    <p:cond delay="0"/>
+                                  </p:stCondLst>
+                                  <p:childTnLst>
+                                    <p:set>
+                                      <p:cBhvr>
+                                        <p:cTn id="6" dur="1" fill="hold">
+                                          <p:stCondLst>
+                                            <p:cond delay="0"/>
+                                          </p:stCondLst>
+                                        </p:cTn>
+                                        <p:tgtEl>
+                                          <p:spTgt spid="89091">
+                                            <p:txEl>
+                                              <p:pRg st="0" end="0"/>
+                                            </p:txEl>
+                                          </p:spTgt>
+                                        </p:tgtEl>
+                                        <p:attrNameLst>
+                                          <p:attrName>style.visibility</p:attrName>
+                                        </p:attrNameLst>
+                                      </p:cBhvr>
+                                      <p:to>
+                                        <p:strVal val="visible"/>
+                                      </p:to>
+                                    </p:set>
+                                    <p:anim calcmode="lin" valueType="num">
+                                      <p:cBhvr additive="base">
+                                        <p:cTn id="7" dur="500" fill="hold"/>
+                                        <p:tgtEl>
+                                          <p:spTgt spid="89091">
+                                            <p:txEl>
+                                              <p:pRg st="0" end="0"/>
+                                            </p:txEl>
+                                          </p:spTgt>
+                                        </p:tgtEl>
+                                        <p:attrNameLst>
+                                          <p:attrName>ppt_x</p:attrName>
+                                        </p:attrNameLst>
+                                      </p:cBhvr>
+                                      <p:tavLst>
+                                        <p:tav tm="0">
+                                          <p:val>
+                                            <p:strVal val="1+#ppt_w/2"/>
+                                          </p:val>
+                                        </p:tav>
+                                        <p:tav tm="100000">
+                                          <p:val>
+                                            <p:strVal val="#ppt_x"/>
+                                          </p:val>
+                                        </p:tav>
+                                      </p:tavLst>
+                                    </p:anim>
+                                    <p:anim calcmode="lin" valueType="num">
+                                      <p:cBhvr additive="base">
+                                        <p:cTn id="8" dur="500" fill="hold"/>
+                                        <p:tgtEl>
+                                          <p:spTgt spid="89091">
+                                            <p:txEl>
+                                              <p:pRg st="0" end="0"/>
+                                            </p:txEl>
+                                          </p:spTgt>
+                                        </p:tgtEl>
+                                        <p:attrNameLst>
+                                          <p:attrName>ppt_y</p:attrName>
+                                        </p:attrNameLst>
+                                      </p:cBhvr>
+                                      <p:tavLst>
+                                        <p:tav tm="0">
+                                          <p:val>
+                                            <p:strVal val="#ppt_y"/>
+                                          </p:val>
+                                        </p:tav>
+                                        <p:tav tm="100000">
+                                          <p:val>
+                                            <p:strVal val="#ppt_y"/>
+                                          </p:val>
+                                        </p:tav>
+                                      </p:tavLst>
+                                    </p:anim>
+                                  </p:childTnLst>
+                                </p:cTn>
+                              </p:par>
+                            </p:childTnLst>
+                          </p:cTn>
+                        </p:par>
+                      </p:childTnLst>
+                    </p:cTn>
+                  </p:par>
+                  <p:par>
+                    <p:cTn id="9" fill="hold">
+                      <p:stCondLst>
+                        <p:cond delay="indefinite"/>
+                      </p:stCondLst>
+                      <p:childTnLst>
+                        <p:par>
+                          <p:cTn id="10" fill="hold">
+                            <p:stCondLst>
+                              <p:cond delay="0"/>
+                            </p:stCondLst>
+                            <p:childTnLst>
+                              <p:par>
+                                <p:cTn id="11" presetID="2" presetClass="entr" presetSubtype="2" fill="hold" grpId="0" nodeType="clickEffect">
+                                  <p:stCondLst>
+                                    <p:cond delay="0"/>
+                                  </p:stCondLst>
+                                  <p:childTnLst>
+                                    <p:set>
+                                      <p:cBhvr>
+                                        <p:cTn id="12" dur="1" fill="hold">
+                                          <p:stCondLst>
+                                            <p:cond delay="0"/>
+                                          </p:stCondLst>
+                                        </p:cTn>
+                                        <p:tgtEl>
+                                          <p:spTgt spid="5">
+                                            <p:txEl>
+                                              <p:pRg st="0" end="0"/>
+                                            </p:txEl>
+                                          </p:spTgt>
+                                        </p:tgtEl>
+                                        <p:attrNameLst>
+                                          <p:attrName>style.visibility</p:attrName>
+                                        </p:attrNameLst>
+                                      </p:cBhvr>
+                                      <p:to>
+                                        <p:strVal val="visible"/>
+                                      </p:to>
+                                    </p:set>
+                                    <p:anim calcmode="lin" valueType="num">
+                                      <p:cBhvr additive="base">
+                                        <p:cTn id="13" dur="500" fill="hold"/>
+                                        <p:tgtEl>
+                                          <p:spTgt spid="5">
+                                            <p:txEl>
+                                              <p:pRg st="0" end="0"/>
+                                            </p:txEl>
+                                          </p:spTgt>
+                                        </p:tgtEl>
+                                        <p:attrNameLst>
+                                          <p:attrName>ppt_x</p:attrName>
+                                        </p:attrNameLst>
+                                      </p:cBhvr>
+                                      <p:tavLst>
+                                        <p:tav tm="0">
+                                          <p:val>
+                                            <p:strVal val="1+#ppt_w/2"/>
+                                          </p:val>
+                                        </p:tav>
+                                        <p:tav tm="100000">
+                                          <p:val>
+                                            <p:strVal val="#ppt_x"/>
+                                          </p:val>
+                                        </p:tav>
+                                      </p:tavLst>
+                                    </p:anim>
+                                    <p:anim calcmode="lin" valueType="num">
+                                      <p:cBhvr additive="base">
+                                        <p:cTn id="14" dur="500" fill="hold"/>
+                                        <p:tgtEl>
+                                          <p:spTgt spid="5">
+                                            <p:txEl>
+                                              <p:pRg st="0" end="0"/>
+                                            </p:txEl>
+                                          </p:spTgt>
+                                        </p:tgtEl>
+                                        <p:attrNameLst>
+                                          <p:attrName>ppt_y</p:attrName>
+                                        </p:attrNameLst>
+                                      </p:cBhvr>
+                                      <p:tavLst>
+                                        <p:tav tm="0">
+                                          <p:val>
+                                            <p:strVal val="#ppt_y"/>
+                                          </p:val>
+                                        </p:tav>
+                                        <p:tav tm="100000">
+                                          <p:val>
+                                            <p:strVal val="#ppt_y"/>
+                                          </p:val>
+                                        </p:tav>
+                                      </p:tavLst>
+                                    </p:anim>
+                                  </p:childTnLst>
+                                </p:cTn>
+                              </p:par>
+                            </p:childTnLst>
+                          </p:cTn>
+                        </p:par>
+                      </p:childTnLst>
+                    </p:cTn>
+                  </p:par>
+                  <p:par>
+                    <p:cTn id="15" fill="hold">
+                      <p:stCondLst>
+                        <p:cond delay="indefinite"/>
+                      </p:stCondLst>
+                      <p:childTnLst>
+                        <p:par>
+                          <p:cTn id="16" fill="hold">
+                            <p:stCondLst>
+                              <p:cond delay="0"/>
+                            </p:stCondLst>
+                            <p:childTnLst>
+                              <p:par>
+                                <p:cTn id="17" presetID="1" presetClass="entr" presetSubtype="0" fill="hold" nodeType="clickEffect">
+                                  <p:stCondLst>
+                                    <p:cond delay="0"/>
+                                  </p:stCondLst>
+                                  <p:childTnLst>
+                                    <p:set>
+                                      <p:cBhvr>
+                                        <p:cTn id="18" dur="1" fill="hold">
+                                          <p:stCondLst>
+                                            <p:cond delay="0"/>
+                                          </p:stCondLst>
+                                        </p:cTn>
+                                        <p:tgtEl>
+                                          <p:spTgt spid="7"/>
+                                        </p:tgtEl>
+                                        <p:attrNameLst>
+                                          <p:attrName>style.visibility</p:attrName>
+                                        </p:attrNameLst>
+                                      </p:cBhvr>
+                                      <p:to>
+                                        <p:strVal val="visible"/>
+                                      </p:to>
+                                    </p:set>
+                                  </p:childTnLst>
+                                </p:cTn>
+                              </p:par>
+                            </p:childTnLst>
+                          </p:cTn>
+                        </p:par>
+                      </p:childTnLst>
+                    </p:cTn>
+                  </p:par>
+                </p:childTnLst>
+              </p:cTn>
+              <p:prevCondLst>
+                <p:cond evt="onPrev" delay="0">
+                  <p:tgtEl>
+                    <p:sldTgt/>
+                  </p:tgtEl>
+                </p:cond>
+              </p:prevCondLst>
+              <p:nextCondLst>
+                <p:cond evt="onNext" delay="0">
+                  <p:tgtEl>
+                    <p:sldTgt/>
+                  </p:tgtEl>
+                </p:cond>
+              </p:nextCondLst>
+            </p:seq>
+          </p:childTnLst>
+        </p:cTn>
+      </p:par>
+    </p:tnLst>
+    <p:bldLst>
+      <p:bldP spid="89091" grpId="0" build="p" autoUpdateAnimBg="0"/>
+      <p:bldP spid="5" grpId="0" build="p" autoUpdateAnimBg="0"/>
     </p:bldLst>
   </p:timing>
 </p:sld>

--- a/Calendario/Presentaciones/1_IntroduccionAlgoritmosProgramas.pptx
+++ b/Calendario/Presentaciones/1_IntroduccionAlgoritmosProgramas.pptx
@@ -5,7 +5,7 @@
     <p:sldMasterId id="2147483648" r:id="rId1"/>
   </p:sldMasterIdLst>
   <p:notesMasterIdLst>
-    <p:notesMasterId r:id="rId20"/>
+    <p:notesMasterId r:id="rId21"/>
   </p:notesMasterIdLst>
   <p:sldIdLst>
     <p:sldId id="316" r:id="rId2"/>
@@ -18,14 +18,15 @@
     <p:sldId id="293" r:id="rId9"/>
     <p:sldId id="294" r:id="rId10"/>
     <p:sldId id="288" r:id="rId11"/>
-    <p:sldId id="312" r:id="rId12"/>
-    <p:sldId id="313" r:id="rId13"/>
-    <p:sldId id="314" r:id="rId14"/>
-    <p:sldId id="273" r:id="rId15"/>
-    <p:sldId id="274" r:id="rId16"/>
-    <p:sldId id="277" r:id="rId17"/>
-    <p:sldId id="315" r:id="rId18"/>
-    <p:sldId id="282" r:id="rId19"/>
+    <p:sldId id="318" r:id="rId12"/>
+    <p:sldId id="312" r:id="rId13"/>
+    <p:sldId id="313" r:id="rId14"/>
+    <p:sldId id="314" r:id="rId15"/>
+    <p:sldId id="273" r:id="rId16"/>
+    <p:sldId id="274" r:id="rId17"/>
+    <p:sldId id="277" r:id="rId18"/>
+    <p:sldId id="315" r:id="rId19"/>
+    <p:sldId id="282" r:id="rId20"/>
   </p:sldIdLst>
   <p:sldSz cx="9144000" cy="6858000" type="screen4x3"/>
   <p:notesSz cx="6858000" cy="9144000"/>
@@ -225,7 +226,7 @@
           <a:p>
             <a:fld id="{2D445F07-8756-451B-A938-0248325FC7BB}" type="datetimeFigureOut">
               <a:rPr lang="es-MX" smtClean="0"/>
-              <a:t>13/02/2022</a:t>
+              <a:t>24/02/2022</a:t>
             </a:fld>
             <a:endParaRPr lang="es-MX" dirty="0"/>
           </a:p>
@@ -817,6 +818,90 @@
       </p:grpSpPr>
       <p:sp>
         <p:nvSpPr>
+          <p:cNvPr id="2" name="Marcador de imagen de diapositiva 1"/>
+          <p:cNvSpPr>
+            <a:spLocks noGrp="1" noRot="1" noChangeAspect="1"/>
+          </p:cNvSpPr>
+          <p:nvPr>
+            <p:ph type="sldImg"/>
+          </p:nvPr>
+        </p:nvSpPr>
+        <p:spPr/>
+      </p:sp>
+      <p:sp>
+        <p:nvSpPr>
+          <p:cNvPr id="3" name="Marcador de notas 2"/>
+          <p:cNvSpPr>
+            <a:spLocks noGrp="1"/>
+          </p:cNvSpPr>
+          <p:nvPr>
+            <p:ph type="body" idx="1"/>
+          </p:nvPr>
+        </p:nvSpPr>
+        <p:spPr/>
+        <p:txBody>
+          <a:bodyPr/>
+          <a:lstStyle/>
+          <a:p>
+            <a:endParaRPr lang="es-MX" dirty="0"/>
+          </a:p>
+        </p:txBody>
+      </p:sp>
+      <p:sp>
+        <p:nvSpPr>
+          <p:cNvPr id="4" name="Marcador de número de diapositiva 3"/>
+          <p:cNvSpPr>
+            <a:spLocks noGrp="1"/>
+          </p:cNvSpPr>
+          <p:nvPr>
+            <p:ph type="sldNum" sz="quarter" idx="5"/>
+          </p:nvPr>
+        </p:nvSpPr>
+        <p:spPr/>
+        <p:txBody>
+          <a:bodyPr/>
+          <a:lstStyle/>
+          <a:p>
+            <a:fld id="{4D347943-BED9-4F50-9608-342FFFFC6AEF}" type="slidenum">
+              <a:rPr lang="es-MX" smtClean="0"/>
+              <a:t>11</a:t>
+            </a:fld>
+            <a:endParaRPr lang="es-MX"/>
+          </a:p>
+        </p:txBody>
+      </p:sp>
+    </p:spTree>
+    <p:extLst>
+      <p:ext uri="{BB962C8B-B14F-4D97-AF65-F5344CB8AC3E}">
+        <p14:creationId xmlns:p14="http://schemas.microsoft.com/office/powerpoint/2010/main" val="97328504"/>
+      </p:ext>
+    </p:extLst>
+  </p:cSld>
+  <p:clrMapOvr>
+    <a:masterClrMapping/>
+  </p:clrMapOvr>
+</p:notes>
+</file>
+
+<file path=ppt/notesSlides/notesSlide5.xml><?xml version="1.0" encoding="utf-8"?>
+<p:notes xmlns:a="http://schemas.openxmlformats.org/drawingml/2006/main" xmlns:r="http://schemas.openxmlformats.org/officeDocument/2006/relationships" xmlns:p="http://schemas.openxmlformats.org/presentationml/2006/main">
+  <p:cSld>
+    <p:spTree>
+      <p:nvGrpSpPr>
+        <p:cNvPr id="1" name=""/>
+        <p:cNvGrpSpPr/>
+        <p:nvPr/>
+      </p:nvGrpSpPr>
+      <p:grpSpPr>
+        <a:xfrm>
+          <a:off x="0" y="0"/>
+          <a:ext cx="0" cy="0"/>
+          <a:chOff x="0" y="0"/>
+          <a:chExt cx="0" cy="0"/>
+        </a:xfrm>
+      </p:grpSpPr>
+      <p:sp>
+        <p:nvSpPr>
           <p:cNvPr id="99330" name="Rectangle 2">
             <a:extLst>
               <a:ext uri="{FF2B5EF4-FFF2-40B4-BE49-F238E27FC236}">
@@ -940,7 +1025,7 @@
 </p:notes>
 </file>
 
-<file path=ppt/notesSlides/notesSlide5.xml><?xml version="1.0" encoding="utf-8"?>
+<file path=ppt/notesSlides/notesSlide6.xml><?xml version="1.0" encoding="utf-8"?>
 <p:notes xmlns:a="http://schemas.openxmlformats.org/drawingml/2006/main" xmlns:r="http://schemas.openxmlformats.org/officeDocument/2006/relationships" xmlns:p="http://schemas.openxmlformats.org/presentationml/2006/main">
   <p:cSld>
     <p:spTree>
@@ -1082,7 +1167,7 @@
 </p:notes>
 </file>
 
-<file path=ppt/notesSlides/notesSlide6.xml><?xml version="1.0" encoding="utf-8"?>
+<file path=ppt/notesSlides/notesSlide7.xml><?xml version="1.0" encoding="utf-8"?>
 <p:notes xmlns:a="http://schemas.openxmlformats.org/drawingml/2006/main" xmlns:r="http://schemas.openxmlformats.org/officeDocument/2006/relationships" xmlns:p="http://schemas.openxmlformats.org/presentationml/2006/main">
   <p:cSld>
     <p:spTree>
@@ -1224,90 +1309,6 @@
 </p:notes>
 </file>
 
-<file path=ppt/notesSlides/notesSlide7.xml><?xml version="1.0" encoding="utf-8"?>
-<p:notes xmlns:a="http://schemas.openxmlformats.org/drawingml/2006/main" xmlns:r="http://schemas.openxmlformats.org/officeDocument/2006/relationships" xmlns:p="http://schemas.openxmlformats.org/presentationml/2006/main">
-  <p:cSld>
-    <p:spTree>
-      <p:nvGrpSpPr>
-        <p:cNvPr id="1" name=""/>
-        <p:cNvGrpSpPr/>
-        <p:nvPr/>
-      </p:nvGrpSpPr>
-      <p:grpSpPr>
-        <a:xfrm>
-          <a:off x="0" y="0"/>
-          <a:ext cx="0" cy="0"/>
-          <a:chOff x="0" y="0"/>
-          <a:chExt cx="0" cy="0"/>
-        </a:xfrm>
-      </p:grpSpPr>
-      <p:sp>
-        <p:nvSpPr>
-          <p:cNvPr id="2" name="Marcador de imagen de diapositiva 1"/>
-          <p:cNvSpPr>
-            <a:spLocks noGrp="1" noRot="1" noChangeAspect="1"/>
-          </p:cNvSpPr>
-          <p:nvPr>
-            <p:ph type="sldImg"/>
-          </p:nvPr>
-        </p:nvSpPr>
-        <p:spPr/>
-      </p:sp>
-      <p:sp>
-        <p:nvSpPr>
-          <p:cNvPr id="3" name="Marcador de notas 2"/>
-          <p:cNvSpPr>
-            <a:spLocks noGrp="1"/>
-          </p:cNvSpPr>
-          <p:nvPr>
-            <p:ph type="body" idx="1"/>
-          </p:nvPr>
-        </p:nvSpPr>
-        <p:spPr/>
-        <p:txBody>
-          <a:bodyPr/>
-          <a:lstStyle/>
-          <a:p>
-            <a:endParaRPr lang="es-MX" dirty="0"/>
-          </a:p>
-        </p:txBody>
-      </p:sp>
-      <p:sp>
-        <p:nvSpPr>
-          <p:cNvPr id="4" name="Marcador de número de diapositiva 3"/>
-          <p:cNvSpPr>
-            <a:spLocks noGrp="1"/>
-          </p:cNvSpPr>
-          <p:nvPr>
-            <p:ph type="sldNum" sz="quarter" idx="5"/>
-          </p:nvPr>
-        </p:nvSpPr>
-        <p:spPr/>
-        <p:txBody>
-          <a:bodyPr/>
-          <a:lstStyle/>
-          <a:p>
-            <a:fld id="{5993AEC0-242E-4FA7-9D3C-51E1036AC3CB}" type="slidenum">
-              <a:rPr lang="es-MX" smtClean="0"/>
-              <a:t>15</a:t>
-            </a:fld>
-            <a:endParaRPr lang="es-MX" dirty="0"/>
-          </a:p>
-        </p:txBody>
-      </p:sp>
-    </p:spTree>
-    <p:extLst>
-      <p:ext uri="{BB962C8B-B14F-4D97-AF65-F5344CB8AC3E}">
-        <p14:creationId xmlns:p14="http://schemas.microsoft.com/office/powerpoint/2010/main" val="2600741813"/>
-      </p:ext>
-    </p:extLst>
-  </p:cSld>
-  <p:clrMapOvr>
-    <a:masterClrMapping/>
-  </p:clrMapOvr>
-</p:notes>
-</file>
-
 <file path=ppt/notesSlides/notesSlide8.xml><?xml version="1.0" encoding="utf-8"?>
 <p:notes xmlns:a="http://schemas.openxmlformats.org/drawingml/2006/main" xmlns:r="http://schemas.openxmlformats.org/officeDocument/2006/relationships" xmlns:p="http://schemas.openxmlformats.org/presentationml/2006/main">
   <p:cSld>
@@ -1371,9 +1372,93 @@
           <a:bodyPr/>
           <a:lstStyle/>
           <a:p>
+            <a:fld id="{5993AEC0-242E-4FA7-9D3C-51E1036AC3CB}" type="slidenum">
+              <a:rPr lang="es-MX" smtClean="0"/>
+              <a:t>16</a:t>
+            </a:fld>
+            <a:endParaRPr lang="es-MX" dirty="0"/>
+          </a:p>
+        </p:txBody>
+      </p:sp>
+    </p:spTree>
+    <p:extLst>
+      <p:ext uri="{BB962C8B-B14F-4D97-AF65-F5344CB8AC3E}">
+        <p14:creationId xmlns:p14="http://schemas.microsoft.com/office/powerpoint/2010/main" val="2600741813"/>
+      </p:ext>
+    </p:extLst>
+  </p:cSld>
+  <p:clrMapOvr>
+    <a:masterClrMapping/>
+  </p:clrMapOvr>
+</p:notes>
+</file>
+
+<file path=ppt/notesSlides/notesSlide9.xml><?xml version="1.0" encoding="utf-8"?>
+<p:notes xmlns:a="http://schemas.openxmlformats.org/drawingml/2006/main" xmlns:r="http://schemas.openxmlformats.org/officeDocument/2006/relationships" xmlns:p="http://schemas.openxmlformats.org/presentationml/2006/main">
+  <p:cSld>
+    <p:spTree>
+      <p:nvGrpSpPr>
+        <p:cNvPr id="1" name=""/>
+        <p:cNvGrpSpPr/>
+        <p:nvPr/>
+      </p:nvGrpSpPr>
+      <p:grpSpPr>
+        <a:xfrm>
+          <a:off x="0" y="0"/>
+          <a:ext cx="0" cy="0"/>
+          <a:chOff x="0" y="0"/>
+          <a:chExt cx="0" cy="0"/>
+        </a:xfrm>
+      </p:grpSpPr>
+      <p:sp>
+        <p:nvSpPr>
+          <p:cNvPr id="2" name="Marcador de imagen de diapositiva 1"/>
+          <p:cNvSpPr>
+            <a:spLocks noGrp="1" noRot="1" noChangeAspect="1"/>
+          </p:cNvSpPr>
+          <p:nvPr>
+            <p:ph type="sldImg"/>
+          </p:nvPr>
+        </p:nvSpPr>
+        <p:spPr/>
+      </p:sp>
+      <p:sp>
+        <p:nvSpPr>
+          <p:cNvPr id="3" name="Marcador de notas 2"/>
+          <p:cNvSpPr>
+            <a:spLocks noGrp="1"/>
+          </p:cNvSpPr>
+          <p:nvPr>
+            <p:ph type="body" idx="1"/>
+          </p:nvPr>
+        </p:nvSpPr>
+        <p:spPr/>
+        <p:txBody>
+          <a:bodyPr/>
+          <a:lstStyle/>
+          <a:p>
+            <a:endParaRPr lang="es-MX" dirty="0"/>
+          </a:p>
+        </p:txBody>
+      </p:sp>
+      <p:sp>
+        <p:nvSpPr>
+          <p:cNvPr id="4" name="Marcador de número de diapositiva 3"/>
+          <p:cNvSpPr>
+            <a:spLocks noGrp="1"/>
+          </p:cNvSpPr>
+          <p:nvPr>
+            <p:ph type="sldNum" sz="quarter" idx="5"/>
+          </p:nvPr>
+        </p:nvSpPr>
+        <p:spPr/>
+        <p:txBody>
+          <a:bodyPr/>
+          <a:lstStyle/>
+          <a:p>
             <a:fld id="{4D347943-BED9-4F50-9608-342FFFFC6AEF}" type="slidenum">
               <a:rPr lang="es-MX" smtClean="0"/>
-              <a:t>17</a:t>
+              <a:t>18</a:t>
             </a:fld>
             <a:endParaRPr lang="es-MX"/>
           </a:p>
@@ -1573,7 +1658,7 @@
           <a:p>
             <a:fld id="{5E75A0DC-66C6-4CEC-A5EB-F8C97CEC3796}" type="datetimeFigureOut">
               <a:rPr lang="es-MX" smtClean="0"/>
-              <a:t>13/02/2022</a:t>
+              <a:t>24/02/2022</a:t>
             </a:fld>
             <a:endParaRPr lang="es-MX" dirty="0"/>
           </a:p>
@@ -1743,7 +1828,7 @@
           <a:p>
             <a:fld id="{5E75A0DC-66C6-4CEC-A5EB-F8C97CEC3796}" type="datetimeFigureOut">
               <a:rPr lang="es-MX" smtClean="0"/>
-              <a:t>13/02/2022</a:t>
+              <a:t>24/02/2022</a:t>
             </a:fld>
             <a:endParaRPr lang="es-MX" dirty="0"/>
           </a:p>
@@ -1923,7 +2008,7 @@
           <a:p>
             <a:fld id="{5E75A0DC-66C6-4CEC-A5EB-F8C97CEC3796}" type="datetimeFigureOut">
               <a:rPr lang="es-MX" smtClean="0"/>
-              <a:t>13/02/2022</a:t>
+              <a:t>24/02/2022</a:t>
             </a:fld>
             <a:endParaRPr lang="es-MX" dirty="0"/>
           </a:p>
@@ -2076,7 +2161,7 @@
           <a:p>
             <a:fld id="{1D8BD707-D9CF-40AE-B4C6-C98DA3205C09}" type="datetimeFigureOut">
               <a:rPr lang="en-US" smtClean="0"/>
-              <a:t>2/13/2022</a:t>
+              <a:t>2/24/2022</a:t>
             </a:fld>
             <a:endParaRPr lang="en-US"/>
           </a:p>
@@ -2956,7 +3041,7 @@
           <a:p>
             <a:fld id="{5E75A0DC-66C6-4CEC-A5EB-F8C97CEC3796}" type="datetimeFigureOut">
               <a:rPr lang="es-MX" smtClean="0"/>
-              <a:t>13/02/2022</a:t>
+              <a:t>24/02/2022</a:t>
             </a:fld>
             <a:endParaRPr lang="es-MX" dirty="0"/>
           </a:p>
@@ -3202,7 +3287,7 @@
           <a:p>
             <a:fld id="{5E75A0DC-66C6-4CEC-A5EB-F8C97CEC3796}" type="datetimeFigureOut">
               <a:rPr lang="es-MX" smtClean="0"/>
-              <a:t>13/02/2022</a:t>
+              <a:t>24/02/2022</a:t>
             </a:fld>
             <a:endParaRPr lang="es-MX" dirty="0"/>
           </a:p>
@@ -3490,7 +3575,7 @@
           <a:p>
             <a:fld id="{5E75A0DC-66C6-4CEC-A5EB-F8C97CEC3796}" type="datetimeFigureOut">
               <a:rPr lang="es-MX" smtClean="0"/>
-              <a:t>13/02/2022</a:t>
+              <a:t>24/02/2022</a:t>
             </a:fld>
             <a:endParaRPr lang="es-MX" dirty="0"/>
           </a:p>
@@ -3912,7 +3997,7 @@
           <a:p>
             <a:fld id="{5E75A0DC-66C6-4CEC-A5EB-F8C97CEC3796}" type="datetimeFigureOut">
               <a:rPr lang="es-MX" smtClean="0"/>
-              <a:t>13/02/2022</a:t>
+              <a:t>24/02/2022</a:t>
             </a:fld>
             <a:endParaRPr lang="es-MX" dirty="0"/>
           </a:p>
@@ -4030,7 +4115,7 @@
           <a:p>
             <a:fld id="{5E75A0DC-66C6-4CEC-A5EB-F8C97CEC3796}" type="datetimeFigureOut">
               <a:rPr lang="es-MX" smtClean="0"/>
-              <a:t>13/02/2022</a:t>
+              <a:t>24/02/2022</a:t>
             </a:fld>
             <a:endParaRPr lang="es-MX" dirty="0"/>
           </a:p>
@@ -4125,7 +4210,7 @@
           <a:p>
             <a:fld id="{5E75A0DC-66C6-4CEC-A5EB-F8C97CEC3796}" type="datetimeFigureOut">
               <a:rPr lang="es-MX" smtClean="0"/>
-              <a:t>13/02/2022</a:t>
+              <a:t>24/02/2022</a:t>
             </a:fld>
             <a:endParaRPr lang="es-MX" dirty="0"/>
           </a:p>
@@ -4402,7 +4487,7 @@
           <a:p>
             <a:fld id="{5E75A0DC-66C6-4CEC-A5EB-F8C97CEC3796}" type="datetimeFigureOut">
               <a:rPr lang="es-MX" smtClean="0"/>
-              <a:t>13/02/2022</a:t>
+              <a:t>24/02/2022</a:t>
             </a:fld>
             <a:endParaRPr lang="es-MX" dirty="0"/>
           </a:p>
@@ -4655,7 +4740,7 @@
           <a:p>
             <a:fld id="{5E75A0DC-66C6-4CEC-A5EB-F8C97CEC3796}" type="datetimeFigureOut">
               <a:rPr lang="es-MX" smtClean="0"/>
-              <a:t>13/02/2022</a:t>
+              <a:t>24/02/2022</a:t>
             </a:fld>
             <a:endParaRPr lang="es-MX" dirty="0"/>
           </a:p>
@@ -4868,7 +4953,7 @@
           <a:p>
             <a:fld id="{5E75A0DC-66C6-4CEC-A5EB-F8C97CEC3796}" type="datetimeFigureOut">
               <a:rPr lang="es-MX" smtClean="0"/>
-              <a:t>13/02/2022</a:t>
+              <a:t>24/02/2022</a:t>
             </a:fld>
             <a:endParaRPr lang="es-MX" dirty="0"/>
           </a:p>
@@ -7132,6 +7217,420 @@
 </file>
 
 <file path=ppt/slides/slide11.xml><?xml version="1.0" encoding="utf-8"?>
+<p:sld xmlns:a="http://schemas.openxmlformats.org/drawingml/2006/main" xmlns:r="http://schemas.openxmlformats.org/officeDocument/2006/relationships" xmlns:p="http://schemas.openxmlformats.org/presentationml/2006/main">
+  <p:cSld>
+    <p:spTree>
+      <p:nvGrpSpPr>
+        <p:cNvPr id="1" name=""/>
+        <p:cNvGrpSpPr/>
+        <p:nvPr/>
+      </p:nvGrpSpPr>
+      <p:grpSpPr>
+        <a:xfrm>
+          <a:off x="0" y="0"/>
+          <a:ext cx="0" cy="0"/>
+          <a:chOff x="0" y="0"/>
+          <a:chExt cx="0" cy="0"/>
+        </a:xfrm>
+      </p:grpSpPr>
+      <p:sp>
+        <p:nvSpPr>
+          <p:cNvPr id="14" name="object 14"/>
+          <p:cNvSpPr txBox="1"/>
+          <p:nvPr/>
+        </p:nvSpPr>
+        <p:spPr>
+          <a:xfrm>
+            <a:off x="1001139" y="476672"/>
+            <a:ext cx="7444105" cy="857885"/>
+          </a:xfrm>
+          <a:prstGeom prst="rect">
+            <a:avLst/>
+          </a:prstGeom>
+        </p:spPr>
+        <p:txBody>
+          <a:bodyPr vert="horz" wrap="square" lIns="0" tIns="0" rIns="0" bIns="0" rtlCol="0">
+            <a:noAutofit/>
+          </a:bodyPr>
+          <a:lstStyle/>
+          <a:p>
+            <a:pPr marL="12700" algn="ctr"/>
+            <a:r>
+              <a:rPr lang="es-ES" sz="4400" b="1" dirty="0">
+                <a:solidFill>
+                  <a:schemeClr val="accent4">
+                    <a:lumMod val="50000"/>
+                  </a:schemeClr>
+                </a:solidFill>
+                <a:effectLst>
+                  <a:outerShdw blurRad="38100" dist="38100" dir="2700000" algn="tl">
+                    <a:srgbClr val="C0C0C0"/>
+                  </a:outerShdw>
+                </a:effectLst>
+                <a:latin typeface="Dom Casual" charset="0"/>
+                <a:ea typeface="+mj-ea"/>
+                <a:cs typeface="+mj-cs"/>
+              </a:rPr>
+              <a:t>10 principales usos de Python</a:t>
+            </a:r>
+            <a:endParaRPr sz="4400" b="1" dirty="0">
+              <a:solidFill>
+                <a:schemeClr val="accent4">
+                  <a:lumMod val="50000"/>
+                </a:schemeClr>
+              </a:solidFill>
+              <a:effectLst>
+                <a:outerShdw blurRad="38100" dist="38100" dir="2700000" algn="tl">
+                  <a:srgbClr val="C0C0C0"/>
+                </a:outerShdw>
+              </a:effectLst>
+              <a:latin typeface="Dom Casual" charset="0"/>
+              <a:ea typeface="+mj-ea"/>
+              <a:cs typeface="+mj-cs"/>
+            </a:endParaRPr>
+          </a:p>
+        </p:txBody>
+      </p:sp>
+      <p:pic>
+        <p:nvPicPr>
+          <p:cNvPr id="18" name="Imagen 17">
+            <a:extLst>
+              <a:ext uri="{FF2B5EF4-FFF2-40B4-BE49-F238E27FC236}">
+                <a16:creationId xmlns:a16="http://schemas.microsoft.com/office/drawing/2014/main" id="{A0FAB87E-0EB7-4C92-A65E-6DE87149A4DA}"/>
+              </a:ext>
+            </a:extLst>
+          </p:cNvPr>
+          <p:cNvPicPr>
+            <a:picLocks noChangeAspect="1"/>
+          </p:cNvPicPr>
+          <p:nvPr/>
+        </p:nvPicPr>
+        <p:blipFill>
+          <a:blip r:embed="rId3">
+            <a:extLst>
+              <a:ext uri="{28A0092B-C50C-407E-A947-70E740481C1C}">
+                <a14:useLocalDpi xmlns:a14="http://schemas.microsoft.com/office/drawing/2010/main" val="0"/>
+              </a:ext>
+            </a:extLst>
+          </a:blip>
+          <a:stretch>
+            <a:fillRect/>
+          </a:stretch>
+        </p:blipFill>
+        <p:spPr>
+          <a:xfrm>
+            <a:off x="4572000" y="2708920"/>
+            <a:ext cx="4394176" cy="2724390"/>
+          </a:xfrm>
+          <a:prstGeom prst="rect">
+            <a:avLst/>
+          </a:prstGeom>
+        </p:spPr>
+      </p:pic>
+      <p:sp>
+        <p:nvSpPr>
+          <p:cNvPr id="8" name="CuadroTexto 7">
+            <a:extLst>
+              <a:ext uri="{FF2B5EF4-FFF2-40B4-BE49-F238E27FC236}">
+                <a16:creationId xmlns:a16="http://schemas.microsoft.com/office/drawing/2014/main" id="{2DD8E417-FB5E-4185-A827-16FAE88A2139}"/>
+              </a:ext>
+            </a:extLst>
+          </p:cNvPr>
+          <p:cNvSpPr txBox="1"/>
+          <p:nvPr/>
+        </p:nvSpPr>
+        <p:spPr>
+          <a:xfrm>
+            <a:off x="1001139" y="1467657"/>
+            <a:ext cx="4867005" cy="4204356"/>
+          </a:xfrm>
+          <a:prstGeom prst="rect">
+            <a:avLst/>
+          </a:prstGeom>
+          <a:noFill/>
+        </p:spPr>
+        <p:txBody>
+          <a:bodyPr wrap="square">
+            <a:spAutoFit/>
+          </a:bodyPr>
+          <a:lstStyle/>
+          <a:p>
+            <a:pPr marL="342900" indent="-342900" algn="l">
+              <a:lnSpc>
+                <a:spcPct val="150000"/>
+              </a:lnSpc>
+              <a:buFont typeface="+mj-lt"/>
+              <a:buAutoNum type="arabicPeriod"/>
+            </a:pPr>
+            <a:r>
+              <a:rPr lang="es-ES" i="0" dirty="0">
+                <a:solidFill>
+                  <a:srgbClr val="444444"/>
+                </a:solidFill>
+                <a:effectLst/>
+              </a:rPr>
+              <a:t>Desarrollo web</a:t>
+            </a:r>
+          </a:p>
+          <a:p>
+            <a:pPr marL="342900" indent="-342900" algn="l">
+              <a:lnSpc>
+                <a:spcPct val="150000"/>
+              </a:lnSpc>
+              <a:buFont typeface="+mj-lt"/>
+              <a:buAutoNum type="arabicPeriod"/>
+            </a:pPr>
+            <a:r>
+              <a:rPr lang="es-ES" i="0" dirty="0">
+                <a:solidFill>
+                  <a:srgbClr val="444444"/>
+                </a:solidFill>
+                <a:effectLst/>
+              </a:rPr>
+              <a:t>Ciencia de datos</a:t>
+            </a:r>
+          </a:p>
+          <a:p>
+            <a:pPr marL="342900" indent="-342900" algn="l">
+              <a:lnSpc>
+                <a:spcPct val="150000"/>
+              </a:lnSpc>
+              <a:buFont typeface="+mj-lt"/>
+              <a:buAutoNum type="arabicPeriod"/>
+            </a:pPr>
+            <a:r>
+              <a:rPr lang="es-ES" i="0" dirty="0">
+                <a:solidFill>
+                  <a:srgbClr val="444444"/>
+                </a:solidFill>
+                <a:effectLst/>
+              </a:rPr>
+              <a:t>Inteligencia artificial y aprendizaje automático</a:t>
+            </a:r>
+          </a:p>
+          <a:p>
+            <a:pPr marL="342900" indent="-342900" algn="l">
+              <a:lnSpc>
+                <a:spcPct val="150000"/>
+              </a:lnSpc>
+              <a:buFont typeface="+mj-lt"/>
+              <a:buAutoNum type="arabicPeriod"/>
+            </a:pPr>
+            <a:r>
+              <a:rPr lang="es-ES" i="0" dirty="0">
+                <a:solidFill>
+                  <a:srgbClr val="444444"/>
+                </a:solidFill>
+                <a:effectLst/>
+              </a:rPr>
+              <a:t>Aplicaciones empresariales</a:t>
+            </a:r>
+          </a:p>
+          <a:p>
+            <a:pPr marL="342900" indent="-342900" algn="l">
+              <a:lnSpc>
+                <a:spcPct val="150000"/>
+              </a:lnSpc>
+              <a:buFont typeface="+mj-lt"/>
+              <a:buAutoNum type="arabicPeriod"/>
+            </a:pPr>
+            <a:r>
+              <a:rPr lang="es-ES" i="0" dirty="0">
+                <a:solidFill>
+                  <a:srgbClr val="444444"/>
+                </a:solidFill>
+                <a:effectLst/>
+              </a:rPr>
+              <a:t>Sector educativo</a:t>
+            </a:r>
+          </a:p>
+          <a:p>
+            <a:pPr marL="342900" indent="-342900" algn="l">
+              <a:lnSpc>
+                <a:spcPct val="150000"/>
+              </a:lnSpc>
+              <a:buFont typeface="+mj-lt"/>
+              <a:buAutoNum type="arabicPeriod"/>
+            </a:pPr>
+            <a:r>
+              <a:rPr lang="es-ES" i="0" dirty="0">
+                <a:solidFill>
+                  <a:srgbClr val="444444"/>
+                </a:solidFill>
+                <a:effectLst/>
+              </a:rPr>
+              <a:t>Aplicaciones de web</a:t>
+            </a:r>
+          </a:p>
+          <a:p>
+            <a:pPr marL="342900" indent="-342900" algn="l">
+              <a:lnSpc>
+                <a:spcPct val="150000"/>
+              </a:lnSpc>
+              <a:buFont typeface="+mj-lt"/>
+              <a:buAutoNum type="arabicPeriod"/>
+            </a:pPr>
+            <a:r>
+              <a:rPr lang="es-ES" i="0" dirty="0">
+                <a:solidFill>
+                  <a:srgbClr val="444444"/>
+                </a:solidFill>
+                <a:effectLst/>
+              </a:rPr>
+              <a:t>Desarrollo de juegos</a:t>
+            </a:r>
+          </a:p>
+          <a:p>
+            <a:pPr marL="342900" indent="-342900" algn="l">
+              <a:lnSpc>
+                <a:spcPct val="150000"/>
+              </a:lnSpc>
+              <a:buFont typeface="+mj-lt"/>
+              <a:buAutoNum type="arabicPeriod"/>
+            </a:pPr>
+            <a:r>
+              <a:rPr lang="es-ES" i="0" dirty="0">
+                <a:solidFill>
+                  <a:srgbClr val="444444"/>
+                </a:solidFill>
+                <a:effectLst/>
+              </a:rPr>
+              <a:t>Desarrollo de software</a:t>
+            </a:r>
+          </a:p>
+          <a:p>
+            <a:pPr marL="342900" indent="-342900" algn="l">
+              <a:lnSpc>
+                <a:spcPct val="150000"/>
+              </a:lnSpc>
+              <a:buFont typeface="+mj-lt"/>
+              <a:buAutoNum type="arabicPeriod"/>
+            </a:pPr>
+            <a:r>
+              <a:rPr lang="es-ES" i="0" dirty="0">
+                <a:solidFill>
+                  <a:srgbClr val="444444"/>
+                </a:solidFill>
+                <a:effectLst/>
+              </a:rPr>
+              <a:t>Interfaz gráfica de usuario (GUI) </a:t>
+            </a:r>
+            <a:endParaRPr lang="es-ES" i="0" dirty="0">
+              <a:solidFill>
+                <a:srgbClr val="768894"/>
+              </a:solidFill>
+              <a:effectLst/>
+            </a:endParaRPr>
+          </a:p>
+          <a:p>
+            <a:pPr marL="342900" indent="-342900" algn="l">
+              <a:lnSpc>
+                <a:spcPct val="150000"/>
+              </a:lnSpc>
+              <a:buFont typeface="+mj-lt"/>
+              <a:buAutoNum type="arabicPeriod"/>
+            </a:pPr>
+            <a:r>
+              <a:rPr lang="es-ES" i="0" dirty="0">
+                <a:solidFill>
+                  <a:srgbClr val="444444"/>
+                </a:solidFill>
+                <a:effectLst/>
+              </a:rPr>
+              <a:t>Sistemas operativos</a:t>
+            </a:r>
+          </a:p>
+        </p:txBody>
+      </p:sp>
+    </p:spTree>
+    <p:extLst>
+      <p:ext uri="{BB962C8B-B14F-4D97-AF65-F5344CB8AC3E}">
+        <p14:creationId xmlns:p14="http://schemas.microsoft.com/office/powerpoint/2010/main" val="3647166121"/>
+      </p:ext>
+    </p:extLst>
+  </p:cSld>
+  <p:clrMapOvr>
+    <a:masterClrMapping/>
+  </p:clrMapOvr>
+  <p:timing>
+    <p:tnLst>
+      <p:par>
+        <p:cTn id="1" dur="indefinite" restart="never" nodeType="tmRoot">
+          <p:childTnLst>
+            <p:seq concurrent="1" nextAc="seek">
+              <p:cTn id="2" dur="indefinite" nodeType="mainSeq">
+                <p:childTnLst>
+                  <p:par>
+                    <p:cTn id="3" fill="hold">
+                      <p:stCondLst>
+                        <p:cond delay="indefinite"/>
+                      </p:stCondLst>
+                      <p:childTnLst>
+                        <p:par>
+                          <p:cTn id="4" fill="hold">
+                            <p:stCondLst>
+                              <p:cond delay="0"/>
+                            </p:stCondLst>
+                            <p:childTnLst>
+                              <p:par>
+                                <p:cTn id="5" presetID="1" presetClass="entr" presetSubtype="0" fill="hold" nodeType="clickEffect">
+                                  <p:stCondLst>
+                                    <p:cond delay="0"/>
+                                  </p:stCondLst>
+                                  <p:childTnLst>
+                                    <p:set>
+                                      <p:cBhvr>
+                                        <p:cTn id="6" dur="1" fill="hold">
+                                          <p:stCondLst>
+                                            <p:cond delay="0"/>
+                                          </p:stCondLst>
+                                        </p:cTn>
+                                        <p:tgtEl>
+                                          <p:spTgt spid="18"/>
+                                        </p:tgtEl>
+                                        <p:attrNameLst>
+                                          <p:attrName>style.visibility</p:attrName>
+                                        </p:attrNameLst>
+                                      </p:cBhvr>
+                                      <p:to>
+                                        <p:strVal val="visible"/>
+                                      </p:to>
+                                    </p:set>
+                                  </p:childTnLst>
+                                </p:cTn>
+                              </p:par>
+                            </p:childTnLst>
+                          </p:cTn>
+                        </p:par>
+                      </p:childTnLst>
+                    </p:cTn>
+                  </p:par>
+                </p:childTnLst>
+              </p:cTn>
+              <p:prevCondLst>
+                <p:cond evt="onPrev" delay="0">
+                  <p:tgtEl>
+                    <p:sldTgt/>
+                  </p:tgtEl>
+                </p:cond>
+              </p:prevCondLst>
+              <p:nextCondLst>
+                <p:cond evt="onNext" delay="0">
+                  <p:tgtEl>
+                    <p:sldTgt/>
+                  </p:tgtEl>
+                </p:cond>
+              </p:nextCondLst>
+            </p:seq>
+          </p:childTnLst>
+        </p:cTn>
+      </p:par>
+    </p:tnLst>
+  </p:timing>
+</p:sld>
+</file>
+
+<file path=ppt/slides/slide12.xml><?xml version="1.0" encoding="utf-8"?>
 <p:sld xmlns:a="http://schemas.openxmlformats.org/drawingml/2006/main" xmlns:r="http://schemas.openxmlformats.org/officeDocument/2006/relationships" xmlns:p="http://schemas.openxmlformats.org/presentationml/2006/main" showMasterPhAnim="0">
   <p:cSld>
     <p:spTree>
@@ -8090,7 +8589,7 @@
 </p:sld>
 </file>
 
-<file path=ppt/slides/slide12.xml><?xml version="1.0" encoding="utf-8"?>
+<file path=ppt/slides/slide13.xml><?xml version="1.0" encoding="utf-8"?>
 <p:sld xmlns:a="http://schemas.openxmlformats.org/drawingml/2006/main" xmlns:r="http://schemas.openxmlformats.org/officeDocument/2006/relationships" xmlns:p="http://schemas.openxmlformats.org/presentationml/2006/main" showMasterPhAnim="0">
   <p:cSld>
     <p:spTree>
@@ -10022,7 +10521,7 @@
 </p:sld>
 </file>
 
-<file path=ppt/slides/slide13.xml><?xml version="1.0" encoding="utf-8"?>
+<file path=ppt/slides/slide14.xml><?xml version="1.0" encoding="utf-8"?>
 <p:sld xmlns:a="http://schemas.openxmlformats.org/drawingml/2006/main" xmlns:r="http://schemas.openxmlformats.org/officeDocument/2006/relationships" xmlns:p="http://schemas.openxmlformats.org/presentationml/2006/main" showMasterPhAnim="0">
   <p:cSld>
     <p:spTree>
@@ -13255,7 +13754,7 @@
 </p:sld>
 </file>
 
-<file path=ppt/slides/slide14.xml><?xml version="1.0" encoding="utf-8"?>
+<file path=ppt/slides/slide15.xml><?xml version="1.0" encoding="utf-8"?>
 <p:sld xmlns:a="http://schemas.openxmlformats.org/drawingml/2006/main" xmlns:r="http://schemas.openxmlformats.org/officeDocument/2006/relationships" xmlns:p="http://schemas.openxmlformats.org/presentationml/2006/main">
   <p:cSld>
     <p:spTree>
@@ -13650,7 +14149,7 @@
 </p:sld>
 </file>
 
-<file path=ppt/slides/slide15.xml><?xml version="1.0" encoding="utf-8"?>
+<file path=ppt/slides/slide16.xml><?xml version="1.0" encoding="utf-8"?>
 <p:sld xmlns:a="http://schemas.openxmlformats.org/drawingml/2006/main" xmlns:r="http://schemas.openxmlformats.org/officeDocument/2006/relationships" xmlns:p="http://schemas.openxmlformats.org/presentationml/2006/main">
   <p:cSld>
     <p:spTree>
@@ -13866,7 +14365,7 @@
 </p:sld>
 </file>
 
-<file path=ppt/slides/slide16.xml><?xml version="1.0" encoding="utf-8"?>
+<file path=ppt/slides/slide17.xml><?xml version="1.0" encoding="utf-8"?>
 <p:sld xmlns:a="http://schemas.openxmlformats.org/drawingml/2006/main" xmlns:r="http://schemas.openxmlformats.org/officeDocument/2006/relationships" xmlns:p="http://schemas.openxmlformats.org/presentationml/2006/main">
   <p:cSld>
     <p:spTree>
@@ -14154,7 +14653,7 @@
 </p:sld>
 </file>
 
-<file path=ppt/slides/slide17.xml><?xml version="1.0" encoding="utf-8"?>
+<file path=ppt/slides/slide18.xml><?xml version="1.0" encoding="utf-8"?>
 <p:sld xmlns:a="http://schemas.openxmlformats.org/drawingml/2006/main" xmlns:r="http://schemas.openxmlformats.org/officeDocument/2006/relationships" xmlns:p="http://schemas.openxmlformats.org/presentationml/2006/main">
   <p:cSld>
     <p:spTree>
@@ -14343,7 +14842,7 @@
                 <a:cs typeface="Calibri"/>
               </a:rPr>
               <a:pPr marL="25400"/>
-              <a:t>17</a:t>
+              <a:t>18</a:t>
             </a:fld>
             <a:endParaRPr sz="1200">
               <a:latin typeface="Calibri"/>
@@ -14543,7 +15042,7 @@
 </p:sld>
 </file>
 
-<file path=ppt/slides/slide18.xml><?xml version="1.0" encoding="utf-8"?>
+<file path=ppt/slides/slide19.xml><?xml version="1.0" encoding="utf-8"?>
 <p:sld xmlns:a="http://schemas.openxmlformats.org/drawingml/2006/main" xmlns:r="http://schemas.openxmlformats.org/officeDocument/2006/relationships" xmlns:p="http://schemas.openxmlformats.org/presentationml/2006/main">
   <p:cSld>
     <p:spTree>
@@ -15767,7 +16266,7 @@
                 <a:cs typeface="Calibri"/>
               </a:rPr>
               <a:pPr marL="25400"/>
-              <a:t>18</a:t>
+              <a:t>19</a:t>
             </a:fld>
             <a:endParaRPr dirty="0">
               <a:latin typeface="Calibri"/>
